--- a/media/plaatjes.pptx
+++ b/media/plaatjes.pptx
@@ -2,19 +2,19 @@
 <file path=ppt/presentation.xml><?xml version="1.0" encoding="utf-8"?>
 <p:presentation xmlns:a="http://schemas.openxmlformats.org/drawingml/2006/main" xmlns:r="http://schemas.openxmlformats.org/officeDocument/2006/relationships" xmlns:p="http://schemas.openxmlformats.org/presentationml/2006/main" saveSubsetFonts="1" autoCompressPictures="0">
   <p:sldMasterIdLst>
-    <p:sldMasterId id="2147483648" r:id="rId1"/>
+    <p:sldMasterId id="2147483660" r:id="rId1"/>
   </p:sldMasterIdLst>
   <p:sldIdLst>
     <p:sldId id="256" r:id="rId2"/>
     <p:sldId id="257" r:id="rId3"/>
   </p:sldIdLst>
-  <p:sldSz cx="12192000" cy="6858000"/>
+  <p:sldSz cx="9906000" cy="6858000" type="A4"/>
   <p:notesSz cx="6858000" cy="9144000"/>
   <p:defaultTextStyle>
     <a:defPPr>
-      <a:defRPr lang="nl-NL"/>
+      <a:defRPr lang="en-US"/>
     </a:defPPr>
-    <a:lvl1pPr marL="0" algn="l" defTabSz="914400" rtl="0" eaLnBrk="1" latinLnBrk="0" hangingPunct="1">
+    <a:lvl1pPr marL="0" algn="l" defTabSz="457200" rtl="0" eaLnBrk="1" latinLnBrk="0" hangingPunct="1">
       <a:defRPr sz="1800" kern="1200">
         <a:solidFill>
           <a:schemeClr val="tx1"/>
@@ -24,7 +24,7 @@
         <a:cs typeface="+mn-cs"/>
       </a:defRPr>
     </a:lvl1pPr>
-    <a:lvl2pPr marL="457200" algn="l" defTabSz="914400" rtl="0" eaLnBrk="1" latinLnBrk="0" hangingPunct="1">
+    <a:lvl2pPr marL="457200" algn="l" defTabSz="457200" rtl="0" eaLnBrk="1" latinLnBrk="0" hangingPunct="1">
       <a:defRPr sz="1800" kern="1200">
         <a:solidFill>
           <a:schemeClr val="tx1"/>
@@ -34,7 +34,7 @@
         <a:cs typeface="+mn-cs"/>
       </a:defRPr>
     </a:lvl2pPr>
-    <a:lvl3pPr marL="914400" algn="l" defTabSz="914400" rtl="0" eaLnBrk="1" latinLnBrk="0" hangingPunct="1">
+    <a:lvl3pPr marL="914400" algn="l" defTabSz="457200" rtl="0" eaLnBrk="1" latinLnBrk="0" hangingPunct="1">
       <a:defRPr sz="1800" kern="1200">
         <a:solidFill>
           <a:schemeClr val="tx1"/>
@@ -44,7 +44,7 @@
         <a:cs typeface="+mn-cs"/>
       </a:defRPr>
     </a:lvl3pPr>
-    <a:lvl4pPr marL="1371600" algn="l" defTabSz="914400" rtl="0" eaLnBrk="1" latinLnBrk="0" hangingPunct="1">
+    <a:lvl4pPr marL="1371600" algn="l" defTabSz="457200" rtl="0" eaLnBrk="1" latinLnBrk="0" hangingPunct="1">
       <a:defRPr sz="1800" kern="1200">
         <a:solidFill>
           <a:schemeClr val="tx1"/>
@@ -54,7 +54,7 @@
         <a:cs typeface="+mn-cs"/>
       </a:defRPr>
     </a:lvl4pPr>
-    <a:lvl5pPr marL="1828800" algn="l" defTabSz="914400" rtl="0" eaLnBrk="1" latinLnBrk="0" hangingPunct="1">
+    <a:lvl5pPr marL="1828800" algn="l" defTabSz="457200" rtl="0" eaLnBrk="1" latinLnBrk="0" hangingPunct="1">
       <a:defRPr sz="1800" kern="1200">
         <a:solidFill>
           <a:schemeClr val="tx1"/>
@@ -64,7 +64,7 @@
         <a:cs typeface="+mn-cs"/>
       </a:defRPr>
     </a:lvl5pPr>
-    <a:lvl6pPr marL="2286000" algn="l" defTabSz="914400" rtl="0" eaLnBrk="1" latinLnBrk="0" hangingPunct="1">
+    <a:lvl6pPr marL="2286000" algn="l" defTabSz="457200" rtl="0" eaLnBrk="1" latinLnBrk="0" hangingPunct="1">
       <a:defRPr sz="1800" kern="1200">
         <a:solidFill>
           <a:schemeClr val="tx1"/>
@@ -74,7 +74,7 @@
         <a:cs typeface="+mn-cs"/>
       </a:defRPr>
     </a:lvl6pPr>
-    <a:lvl7pPr marL="2743200" algn="l" defTabSz="914400" rtl="0" eaLnBrk="1" latinLnBrk="0" hangingPunct="1">
+    <a:lvl7pPr marL="2743200" algn="l" defTabSz="457200" rtl="0" eaLnBrk="1" latinLnBrk="0" hangingPunct="1">
       <a:defRPr sz="1800" kern="1200">
         <a:solidFill>
           <a:schemeClr val="tx1"/>
@@ -84,7 +84,7 @@
         <a:cs typeface="+mn-cs"/>
       </a:defRPr>
     </a:lvl7pPr>
-    <a:lvl8pPr marL="3200400" algn="l" defTabSz="914400" rtl="0" eaLnBrk="1" latinLnBrk="0" hangingPunct="1">
+    <a:lvl8pPr marL="3200400" algn="l" defTabSz="457200" rtl="0" eaLnBrk="1" latinLnBrk="0" hangingPunct="1">
       <a:defRPr sz="1800" kern="1200">
         <a:solidFill>
           <a:schemeClr val="tx1"/>
@@ -94,7 +94,7 @@
         <a:cs typeface="+mn-cs"/>
       </a:defRPr>
     </a:lvl8pPr>
-    <a:lvl9pPr marL="3657600" algn="l" defTabSz="914400" rtl="0" eaLnBrk="1" latinLnBrk="0" hangingPunct="1">
+    <a:lvl9pPr marL="3657600" algn="l" defTabSz="457200" rtl="0" eaLnBrk="1" latinLnBrk="0" hangingPunct="1">
       <a:defRPr sz="1800" kern="1200">
         <a:solidFill>
           <a:schemeClr val="tx1"/>
@@ -105,6 +105,11 @@
       </a:defRPr>
     </a:lvl9pPr>
   </p:defaultTextStyle>
+  <p:extLst>
+    <p:ext uri="{EFAFB233-063F-42B5-8137-9DF3F51BA10A}">
+      <p15:sldGuideLst xmlns:p15="http://schemas.microsoft.com/office/powerpoint/2012/main"/>
+    </p:ext>
+  </p:extLst>
 </p:presentation>
 </file>
 
@@ -1019,13 +1024,7 @@
       </p:grpSpPr>
       <p:sp>
         <p:nvSpPr>
-          <p:cNvPr id="2" name="Titel 1">
-            <a:extLst>
-              <a:ext uri="{FF2B5EF4-FFF2-40B4-BE49-F238E27FC236}">
-                <a16:creationId xmlns:a16="http://schemas.microsoft.com/office/drawing/2014/main" id="{746B6FAF-0738-9041-9F53-1495C6C1871A}"/>
-              </a:ext>
-            </a:extLst>
-          </p:cNvPr>
+          <p:cNvPr id="2" name="Title 1"/>
           <p:cNvSpPr>
             <a:spLocks noGrp="1"/>
           </p:cNvSpPr>
@@ -1035,8 +1034,8 @@
         </p:nvSpPr>
         <p:spPr>
           <a:xfrm>
-            <a:off x="1524000" y="1122363"/>
-            <a:ext cx="9144000" cy="2387600"/>
+            <a:off x="742950" y="1122363"/>
+            <a:ext cx="8420100" cy="2387600"/>
           </a:xfrm>
         </p:spPr>
         <p:txBody>
@@ -1051,18 +1050,13 @@
               <a:rPr lang="nl-NL"/>
               <a:t>Klik om stijl te bewerken</a:t>
             </a:r>
-          </a:p>
-        </p:txBody>
-      </p:sp>
-      <p:sp>
-        <p:nvSpPr>
-          <p:cNvPr id="3" name="Ondertitel 2">
-            <a:extLst>
-              <a:ext uri="{FF2B5EF4-FFF2-40B4-BE49-F238E27FC236}">
-                <a16:creationId xmlns:a16="http://schemas.microsoft.com/office/drawing/2014/main" id="{60FFB07C-E54B-D34D-9629-6B7A69493682}"/>
-              </a:ext>
-            </a:extLst>
-          </p:cNvPr>
+            <a:endParaRPr lang="en-US" dirty="0"/>
+          </a:p>
+        </p:txBody>
+      </p:sp>
+      <p:sp>
+        <p:nvSpPr>
+          <p:cNvPr id="3" name="Subtitle 2"/>
           <p:cNvSpPr>
             <a:spLocks noGrp="1"/>
           </p:cNvSpPr>
@@ -1072,8 +1066,8 @@
         </p:nvSpPr>
         <p:spPr>
           <a:xfrm>
-            <a:off x="1524000" y="3602038"/>
-            <a:ext cx="9144000" cy="1655762"/>
+            <a:off x="1238250" y="3602038"/>
+            <a:ext cx="7429500" cy="1655762"/>
           </a:xfrm>
         </p:spPr>
         <p:txBody>
@@ -1121,18 +1115,13 @@
               <a:rPr lang="nl-NL"/>
               <a:t>Klikken om de ondertitelstijl van het model te bewerken</a:t>
             </a:r>
-          </a:p>
-        </p:txBody>
-      </p:sp>
-      <p:sp>
-        <p:nvSpPr>
-          <p:cNvPr id="4" name="Tijdelijke aanduiding voor datum 3">
-            <a:extLst>
-              <a:ext uri="{FF2B5EF4-FFF2-40B4-BE49-F238E27FC236}">
-                <a16:creationId xmlns:a16="http://schemas.microsoft.com/office/drawing/2014/main" id="{CB6483D0-F2E9-DD4F-A820-CB8CBF01A8F0}"/>
-              </a:ext>
-            </a:extLst>
-          </p:cNvPr>
+            <a:endParaRPr lang="en-US" dirty="0"/>
+          </a:p>
+        </p:txBody>
+      </p:sp>
+      <p:sp>
+        <p:nvSpPr>
+          <p:cNvPr id="4" name="Date Placeholder 3"/>
           <p:cNvSpPr>
             <a:spLocks noGrp="1"/>
           </p:cNvSpPr>
@@ -1155,13 +1144,7 @@
       </p:sp>
       <p:sp>
         <p:nvSpPr>
-          <p:cNvPr id="5" name="Tijdelijke aanduiding voor voettekst 4">
-            <a:extLst>
-              <a:ext uri="{FF2B5EF4-FFF2-40B4-BE49-F238E27FC236}">
-                <a16:creationId xmlns:a16="http://schemas.microsoft.com/office/drawing/2014/main" id="{027C10FD-7EAF-8341-84FF-34629CB765B9}"/>
-              </a:ext>
-            </a:extLst>
-          </p:cNvPr>
+          <p:cNvPr id="5" name="Footer Placeholder 4"/>
           <p:cNvSpPr>
             <a:spLocks noGrp="1"/>
           </p:cNvSpPr>
@@ -1180,13 +1163,7 @@
       </p:sp>
       <p:sp>
         <p:nvSpPr>
-          <p:cNvPr id="6" name="Tijdelijke aanduiding voor dianummer 5">
-            <a:extLst>
-              <a:ext uri="{FF2B5EF4-FFF2-40B4-BE49-F238E27FC236}">
-                <a16:creationId xmlns:a16="http://schemas.microsoft.com/office/drawing/2014/main" id="{73047DD4-4594-AF4D-A41C-0E03BC3791B6}"/>
-              </a:ext>
-            </a:extLst>
-          </p:cNvPr>
+          <p:cNvPr id="6" name="Slide Number Placeholder 5"/>
           <p:cNvSpPr>
             <a:spLocks noGrp="1"/>
           </p:cNvSpPr>
@@ -1210,7 +1187,7 @@
     </p:spTree>
     <p:extLst>
       <p:ext uri="{BB962C8B-B14F-4D97-AF65-F5344CB8AC3E}">
-        <p14:creationId xmlns:p14="http://schemas.microsoft.com/office/powerpoint/2010/main" val="3974775681"/>
+        <p14:creationId xmlns:p14="http://schemas.microsoft.com/office/powerpoint/2010/main" val="915212349"/>
       </p:ext>
     </p:extLst>
   </p:cSld>
@@ -1239,13 +1216,7 @@
       </p:grpSpPr>
       <p:sp>
         <p:nvSpPr>
-          <p:cNvPr id="2" name="Titel 1">
-            <a:extLst>
-              <a:ext uri="{FF2B5EF4-FFF2-40B4-BE49-F238E27FC236}">
-                <a16:creationId xmlns:a16="http://schemas.microsoft.com/office/drawing/2014/main" id="{919A7C75-2FC3-6743-AC6B-310B9B36142B}"/>
-              </a:ext>
-            </a:extLst>
-          </p:cNvPr>
+          <p:cNvPr id="2" name="Title 1"/>
           <p:cNvSpPr>
             <a:spLocks noGrp="1"/>
           </p:cNvSpPr>
@@ -1262,18 +1233,13 @@
               <a:rPr lang="nl-NL"/>
               <a:t>Klik om stijl te bewerken</a:t>
             </a:r>
-          </a:p>
-        </p:txBody>
-      </p:sp>
-      <p:sp>
-        <p:nvSpPr>
-          <p:cNvPr id="3" name="Tijdelijke aanduiding voor verticale tekst 2">
-            <a:extLst>
-              <a:ext uri="{FF2B5EF4-FFF2-40B4-BE49-F238E27FC236}">
-                <a16:creationId xmlns:a16="http://schemas.microsoft.com/office/drawing/2014/main" id="{731B723D-A3AF-CA4D-A038-CBA0D2506914}"/>
-              </a:ext>
-            </a:extLst>
-          </p:cNvPr>
+            <a:endParaRPr lang="en-US" dirty="0"/>
+          </a:p>
+        </p:txBody>
+      </p:sp>
+      <p:sp>
+        <p:nvSpPr>
+          <p:cNvPr id="3" name="Vertical Text Placeholder 2"/>
           <p:cNvSpPr>
             <a:spLocks noGrp="1"/>
           </p:cNvSpPr>
@@ -1319,18 +1285,13 @@
               <a:rPr lang="nl-NL"/>
               <a:t>Vijfde niveau</a:t>
             </a:r>
-          </a:p>
-        </p:txBody>
-      </p:sp>
-      <p:sp>
-        <p:nvSpPr>
-          <p:cNvPr id="4" name="Tijdelijke aanduiding voor datum 3">
-            <a:extLst>
-              <a:ext uri="{FF2B5EF4-FFF2-40B4-BE49-F238E27FC236}">
-                <a16:creationId xmlns:a16="http://schemas.microsoft.com/office/drawing/2014/main" id="{7F5393F1-0B6E-AD4E-A402-F8CD7CABA33A}"/>
-              </a:ext>
-            </a:extLst>
-          </p:cNvPr>
+            <a:endParaRPr lang="en-US" dirty="0"/>
+          </a:p>
+        </p:txBody>
+      </p:sp>
+      <p:sp>
+        <p:nvSpPr>
+          <p:cNvPr id="4" name="Date Placeholder 3"/>
           <p:cNvSpPr>
             <a:spLocks noGrp="1"/>
           </p:cNvSpPr>
@@ -1353,13 +1314,7 @@
       </p:sp>
       <p:sp>
         <p:nvSpPr>
-          <p:cNvPr id="5" name="Tijdelijke aanduiding voor voettekst 4">
-            <a:extLst>
-              <a:ext uri="{FF2B5EF4-FFF2-40B4-BE49-F238E27FC236}">
-                <a16:creationId xmlns:a16="http://schemas.microsoft.com/office/drawing/2014/main" id="{8C6BCE0F-88A4-494F-B5C2-D6F6E9DB879C}"/>
-              </a:ext>
-            </a:extLst>
-          </p:cNvPr>
+          <p:cNvPr id="5" name="Footer Placeholder 4"/>
           <p:cNvSpPr>
             <a:spLocks noGrp="1"/>
           </p:cNvSpPr>
@@ -1378,13 +1333,7 @@
       </p:sp>
       <p:sp>
         <p:nvSpPr>
-          <p:cNvPr id="6" name="Tijdelijke aanduiding voor dianummer 5">
-            <a:extLst>
-              <a:ext uri="{FF2B5EF4-FFF2-40B4-BE49-F238E27FC236}">
-                <a16:creationId xmlns:a16="http://schemas.microsoft.com/office/drawing/2014/main" id="{C292CB97-A5D2-A440-96E1-5A2E83A07590}"/>
-              </a:ext>
-            </a:extLst>
-          </p:cNvPr>
+          <p:cNvPr id="6" name="Slide Number Placeholder 5"/>
           <p:cNvSpPr>
             <a:spLocks noGrp="1"/>
           </p:cNvSpPr>
@@ -1408,7 +1357,7 @@
     </p:spTree>
     <p:extLst>
       <p:ext uri="{BB962C8B-B14F-4D97-AF65-F5344CB8AC3E}">
-        <p14:creationId xmlns:p14="http://schemas.microsoft.com/office/powerpoint/2010/main" val="1690638858"/>
+        <p14:creationId xmlns:p14="http://schemas.microsoft.com/office/powerpoint/2010/main" val="3812569977"/>
       </p:ext>
     </p:extLst>
   </p:cSld>
@@ -1437,13 +1386,7 @@
       </p:grpSpPr>
       <p:sp>
         <p:nvSpPr>
-          <p:cNvPr id="2" name="Verticale titel 1">
-            <a:extLst>
-              <a:ext uri="{FF2B5EF4-FFF2-40B4-BE49-F238E27FC236}">
-                <a16:creationId xmlns:a16="http://schemas.microsoft.com/office/drawing/2014/main" id="{DBBDA5A3-4E03-F943-9554-35E6B33D269F}"/>
-              </a:ext>
-            </a:extLst>
-          </p:cNvPr>
+          <p:cNvPr id="2" name="Vertical Title 1"/>
           <p:cNvSpPr>
             <a:spLocks noGrp="1"/>
           </p:cNvSpPr>
@@ -1453,8 +1396,8 @@
         </p:nvSpPr>
         <p:spPr>
           <a:xfrm>
-            <a:off x="8724900" y="365125"/>
-            <a:ext cx="2628900" cy="5811838"/>
+            <a:off x="7088982" y="365125"/>
+            <a:ext cx="2135981" cy="5811838"/>
           </a:xfrm>
         </p:spPr>
         <p:txBody>
@@ -1465,18 +1408,13 @@
               <a:rPr lang="nl-NL"/>
               <a:t>Klik om stijl te bewerken</a:t>
             </a:r>
-          </a:p>
-        </p:txBody>
-      </p:sp>
-      <p:sp>
-        <p:nvSpPr>
-          <p:cNvPr id="3" name="Tijdelijke aanduiding voor verticale tekst 2">
-            <a:extLst>
-              <a:ext uri="{FF2B5EF4-FFF2-40B4-BE49-F238E27FC236}">
-                <a16:creationId xmlns:a16="http://schemas.microsoft.com/office/drawing/2014/main" id="{ED646980-C260-664E-8906-1E5124A2DE78}"/>
-              </a:ext>
-            </a:extLst>
-          </p:cNvPr>
+            <a:endParaRPr lang="en-US" dirty="0"/>
+          </a:p>
+        </p:txBody>
+      </p:sp>
+      <p:sp>
+        <p:nvSpPr>
+          <p:cNvPr id="3" name="Vertical Text Placeholder 2"/>
           <p:cNvSpPr>
             <a:spLocks noGrp="1"/>
           </p:cNvSpPr>
@@ -1486,8 +1424,8 @@
         </p:nvSpPr>
         <p:spPr>
           <a:xfrm>
-            <a:off x="838200" y="365125"/>
-            <a:ext cx="7734300" cy="5811838"/>
+            <a:off x="681038" y="365125"/>
+            <a:ext cx="6284119" cy="5811838"/>
           </a:xfrm>
         </p:spPr>
         <p:txBody>
@@ -1527,18 +1465,13 @@
               <a:rPr lang="nl-NL"/>
               <a:t>Vijfde niveau</a:t>
             </a:r>
-          </a:p>
-        </p:txBody>
-      </p:sp>
-      <p:sp>
-        <p:nvSpPr>
-          <p:cNvPr id="4" name="Tijdelijke aanduiding voor datum 3">
-            <a:extLst>
-              <a:ext uri="{FF2B5EF4-FFF2-40B4-BE49-F238E27FC236}">
-                <a16:creationId xmlns:a16="http://schemas.microsoft.com/office/drawing/2014/main" id="{3DCCFF0E-9831-E94E-B01B-2584F0AD5373}"/>
-              </a:ext>
-            </a:extLst>
-          </p:cNvPr>
+            <a:endParaRPr lang="en-US" dirty="0"/>
+          </a:p>
+        </p:txBody>
+      </p:sp>
+      <p:sp>
+        <p:nvSpPr>
+          <p:cNvPr id="4" name="Date Placeholder 3"/>
           <p:cNvSpPr>
             <a:spLocks noGrp="1"/>
           </p:cNvSpPr>
@@ -1561,13 +1494,7 @@
       </p:sp>
       <p:sp>
         <p:nvSpPr>
-          <p:cNvPr id="5" name="Tijdelijke aanduiding voor voettekst 4">
-            <a:extLst>
-              <a:ext uri="{FF2B5EF4-FFF2-40B4-BE49-F238E27FC236}">
-                <a16:creationId xmlns:a16="http://schemas.microsoft.com/office/drawing/2014/main" id="{7D188F4A-2290-8947-9205-41352F0D4D94}"/>
-              </a:ext>
-            </a:extLst>
-          </p:cNvPr>
+          <p:cNvPr id="5" name="Footer Placeholder 4"/>
           <p:cNvSpPr>
             <a:spLocks noGrp="1"/>
           </p:cNvSpPr>
@@ -1586,13 +1513,7 @@
       </p:sp>
       <p:sp>
         <p:nvSpPr>
-          <p:cNvPr id="6" name="Tijdelijke aanduiding voor dianummer 5">
-            <a:extLst>
-              <a:ext uri="{FF2B5EF4-FFF2-40B4-BE49-F238E27FC236}">
-                <a16:creationId xmlns:a16="http://schemas.microsoft.com/office/drawing/2014/main" id="{28509B46-D367-1D4D-9C79-10E5756C0A8D}"/>
-              </a:ext>
-            </a:extLst>
-          </p:cNvPr>
+          <p:cNvPr id="6" name="Slide Number Placeholder 5"/>
           <p:cNvSpPr>
             <a:spLocks noGrp="1"/>
           </p:cNvSpPr>
@@ -1616,7 +1537,7 @@
     </p:spTree>
     <p:extLst>
       <p:ext uri="{BB962C8B-B14F-4D97-AF65-F5344CB8AC3E}">
-        <p14:creationId xmlns:p14="http://schemas.microsoft.com/office/powerpoint/2010/main" val="4077319314"/>
+        <p14:creationId xmlns:p14="http://schemas.microsoft.com/office/powerpoint/2010/main" val="894011440"/>
       </p:ext>
     </p:extLst>
   </p:cSld>
@@ -1645,13 +1566,7 @@
       </p:grpSpPr>
       <p:sp>
         <p:nvSpPr>
-          <p:cNvPr id="2" name="Titel 1">
-            <a:extLst>
-              <a:ext uri="{FF2B5EF4-FFF2-40B4-BE49-F238E27FC236}">
-                <a16:creationId xmlns:a16="http://schemas.microsoft.com/office/drawing/2014/main" id="{A688DF52-E7E6-4F4E-B3D0-04E65837A926}"/>
-              </a:ext>
-            </a:extLst>
-          </p:cNvPr>
+          <p:cNvPr id="2" name="Title 1"/>
           <p:cNvSpPr>
             <a:spLocks noGrp="1"/>
           </p:cNvSpPr>
@@ -1668,18 +1583,13 @@
               <a:rPr lang="nl-NL"/>
               <a:t>Klik om stijl te bewerken</a:t>
             </a:r>
-          </a:p>
-        </p:txBody>
-      </p:sp>
-      <p:sp>
-        <p:nvSpPr>
-          <p:cNvPr id="3" name="Tijdelijke aanduiding voor inhoud 2">
-            <a:extLst>
-              <a:ext uri="{FF2B5EF4-FFF2-40B4-BE49-F238E27FC236}">
-                <a16:creationId xmlns:a16="http://schemas.microsoft.com/office/drawing/2014/main" id="{DB8D085D-143D-7D49-BEF3-06A4FD5CD5E3}"/>
-              </a:ext>
-            </a:extLst>
-          </p:cNvPr>
+            <a:endParaRPr lang="en-US" dirty="0"/>
+          </a:p>
+        </p:txBody>
+      </p:sp>
+      <p:sp>
+        <p:nvSpPr>
+          <p:cNvPr id="3" name="Content Placeholder 2"/>
           <p:cNvSpPr>
             <a:spLocks noGrp="1"/>
           </p:cNvSpPr>
@@ -1725,18 +1635,13 @@
               <a:rPr lang="nl-NL"/>
               <a:t>Vijfde niveau</a:t>
             </a:r>
-          </a:p>
-        </p:txBody>
-      </p:sp>
-      <p:sp>
-        <p:nvSpPr>
-          <p:cNvPr id="4" name="Tijdelijke aanduiding voor datum 3">
-            <a:extLst>
-              <a:ext uri="{FF2B5EF4-FFF2-40B4-BE49-F238E27FC236}">
-                <a16:creationId xmlns:a16="http://schemas.microsoft.com/office/drawing/2014/main" id="{68667B01-DE77-3A4D-AFE2-43AAC801EA91}"/>
-              </a:ext>
-            </a:extLst>
-          </p:cNvPr>
+            <a:endParaRPr lang="en-US" dirty="0"/>
+          </a:p>
+        </p:txBody>
+      </p:sp>
+      <p:sp>
+        <p:nvSpPr>
+          <p:cNvPr id="4" name="Date Placeholder 3"/>
           <p:cNvSpPr>
             <a:spLocks noGrp="1"/>
           </p:cNvSpPr>
@@ -1759,13 +1664,7 @@
       </p:sp>
       <p:sp>
         <p:nvSpPr>
-          <p:cNvPr id="5" name="Tijdelijke aanduiding voor voettekst 4">
-            <a:extLst>
-              <a:ext uri="{FF2B5EF4-FFF2-40B4-BE49-F238E27FC236}">
-                <a16:creationId xmlns:a16="http://schemas.microsoft.com/office/drawing/2014/main" id="{6AD46496-9698-434F-B51A-543D0646EA21}"/>
-              </a:ext>
-            </a:extLst>
-          </p:cNvPr>
+          <p:cNvPr id="5" name="Footer Placeholder 4"/>
           <p:cNvSpPr>
             <a:spLocks noGrp="1"/>
           </p:cNvSpPr>
@@ -1784,13 +1683,7 @@
       </p:sp>
       <p:sp>
         <p:nvSpPr>
-          <p:cNvPr id="6" name="Tijdelijke aanduiding voor dianummer 5">
-            <a:extLst>
-              <a:ext uri="{FF2B5EF4-FFF2-40B4-BE49-F238E27FC236}">
-                <a16:creationId xmlns:a16="http://schemas.microsoft.com/office/drawing/2014/main" id="{672D22C4-C1B3-F545-A6FD-C64D9B026502}"/>
-              </a:ext>
-            </a:extLst>
-          </p:cNvPr>
+          <p:cNvPr id="6" name="Slide Number Placeholder 5"/>
           <p:cNvSpPr>
             <a:spLocks noGrp="1"/>
           </p:cNvSpPr>
@@ -1814,7 +1707,7 @@
     </p:spTree>
     <p:extLst>
       <p:ext uri="{BB962C8B-B14F-4D97-AF65-F5344CB8AC3E}">
-        <p14:creationId xmlns:p14="http://schemas.microsoft.com/office/powerpoint/2010/main" val="2887552692"/>
+        <p14:creationId xmlns:p14="http://schemas.microsoft.com/office/powerpoint/2010/main" val="1853993281"/>
       </p:ext>
     </p:extLst>
   </p:cSld>
@@ -1843,13 +1736,7 @@
       </p:grpSpPr>
       <p:sp>
         <p:nvSpPr>
-          <p:cNvPr id="2" name="Titel 1">
-            <a:extLst>
-              <a:ext uri="{FF2B5EF4-FFF2-40B4-BE49-F238E27FC236}">
-                <a16:creationId xmlns:a16="http://schemas.microsoft.com/office/drawing/2014/main" id="{954B71DA-746B-5A47-B516-27FB5338B5FE}"/>
-              </a:ext>
-            </a:extLst>
-          </p:cNvPr>
+          <p:cNvPr id="2" name="Title 1"/>
           <p:cNvSpPr>
             <a:spLocks noGrp="1"/>
           </p:cNvSpPr>
@@ -1859,8 +1746,8 @@
         </p:nvSpPr>
         <p:spPr>
           <a:xfrm>
-            <a:off x="831850" y="1709738"/>
-            <a:ext cx="10515600" cy="2852737"/>
+            <a:off x="675879" y="1709740"/>
+            <a:ext cx="8543925" cy="2852737"/>
           </a:xfrm>
         </p:spPr>
         <p:txBody>
@@ -1875,18 +1762,13 @@
               <a:rPr lang="nl-NL"/>
               <a:t>Klik om stijl te bewerken</a:t>
             </a:r>
-          </a:p>
-        </p:txBody>
-      </p:sp>
-      <p:sp>
-        <p:nvSpPr>
-          <p:cNvPr id="3" name="Tijdelijke aanduiding voor tekst 2">
-            <a:extLst>
-              <a:ext uri="{FF2B5EF4-FFF2-40B4-BE49-F238E27FC236}">
-                <a16:creationId xmlns:a16="http://schemas.microsoft.com/office/drawing/2014/main" id="{87007E8D-F72E-BC4F-9060-F6EC98F7B26E}"/>
-              </a:ext>
-            </a:extLst>
-          </p:cNvPr>
+            <a:endParaRPr lang="en-US" dirty="0"/>
+          </a:p>
+        </p:txBody>
+      </p:sp>
+      <p:sp>
+        <p:nvSpPr>
+          <p:cNvPr id="3" name="Text Placeholder 2"/>
           <p:cNvSpPr>
             <a:spLocks noGrp="1"/>
           </p:cNvSpPr>
@@ -1896,8 +1778,8 @@
         </p:nvSpPr>
         <p:spPr>
           <a:xfrm>
-            <a:off x="831850" y="4589463"/>
-            <a:ext cx="10515600" cy="1500187"/>
+            <a:off x="675879" y="4589465"/>
+            <a:ext cx="8543925" cy="1500187"/>
           </a:xfrm>
         </p:spPr>
         <p:txBody>
@@ -1907,9 +1789,7 @@
               <a:buNone/>
               <a:defRPr sz="2400">
                 <a:solidFill>
-                  <a:schemeClr val="tx1">
-                    <a:tint val="75000"/>
-                  </a:schemeClr>
+                  <a:schemeClr val="tx1"/>
                 </a:solidFill>
               </a:defRPr>
             </a:lvl1pPr>
@@ -2005,13 +1885,7 @@
       </p:sp>
       <p:sp>
         <p:nvSpPr>
-          <p:cNvPr id="4" name="Tijdelijke aanduiding voor datum 3">
-            <a:extLst>
-              <a:ext uri="{FF2B5EF4-FFF2-40B4-BE49-F238E27FC236}">
-                <a16:creationId xmlns:a16="http://schemas.microsoft.com/office/drawing/2014/main" id="{9BBE96B3-FD13-8340-A40F-F5E3E858941A}"/>
-              </a:ext>
-            </a:extLst>
-          </p:cNvPr>
+          <p:cNvPr id="4" name="Date Placeholder 3"/>
           <p:cNvSpPr>
             <a:spLocks noGrp="1"/>
           </p:cNvSpPr>
@@ -2034,13 +1908,7 @@
       </p:sp>
       <p:sp>
         <p:nvSpPr>
-          <p:cNvPr id="5" name="Tijdelijke aanduiding voor voettekst 4">
-            <a:extLst>
-              <a:ext uri="{FF2B5EF4-FFF2-40B4-BE49-F238E27FC236}">
-                <a16:creationId xmlns:a16="http://schemas.microsoft.com/office/drawing/2014/main" id="{8C8D8C5B-6861-764C-967E-EDFA63680519}"/>
-              </a:ext>
-            </a:extLst>
-          </p:cNvPr>
+          <p:cNvPr id="5" name="Footer Placeholder 4"/>
           <p:cNvSpPr>
             <a:spLocks noGrp="1"/>
           </p:cNvSpPr>
@@ -2059,13 +1927,7 @@
       </p:sp>
       <p:sp>
         <p:nvSpPr>
-          <p:cNvPr id="6" name="Tijdelijke aanduiding voor dianummer 5">
-            <a:extLst>
-              <a:ext uri="{FF2B5EF4-FFF2-40B4-BE49-F238E27FC236}">
-                <a16:creationId xmlns:a16="http://schemas.microsoft.com/office/drawing/2014/main" id="{DC257111-E89A-4146-9AA9-0F875A9BAB4C}"/>
-              </a:ext>
-            </a:extLst>
-          </p:cNvPr>
+          <p:cNvPr id="6" name="Slide Number Placeholder 5"/>
           <p:cNvSpPr>
             <a:spLocks noGrp="1"/>
           </p:cNvSpPr>
@@ -2089,7 +1951,7 @@
     </p:spTree>
     <p:extLst>
       <p:ext uri="{BB962C8B-B14F-4D97-AF65-F5344CB8AC3E}">
-        <p14:creationId xmlns:p14="http://schemas.microsoft.com/office/powerpoint/2010/main" val="381745907"/>
+        <p14:creationId xmlns:p14="http://schemas.microsoft.com/office/powerpoint/2010/main" val="3651323703"/>
       </p:ext>
     </p:extLst>
   </p:cSld>
@@ -2118,13 +1980,7 @@
       </p:grpSpPr>
       <p:sp>
         <p:nvSpPr>
-          <p:cNvPr id="2" name="Titel 1">
-            <a:extLst>
-              <a:ext uri="{FF2B5EF4-FFF2-40B4-BE49-F238E27FC236}">
-                <a16:creationId xmlns:a16="http://schemas.microsoft.com/office/drawing/2014/main" id="{D4D090F4-4207-7E46-A7AA-C565B73171F1}"/>
-              </a:ext>
-            </a:extLst>
-          </p:cNvPr>
+          <p:cNvPr id="2" name="Title 1"/>
           <p:cNvSpPr>
             <a:spLocks noGrp="1"/>
           </p:cNvSpPr>
@@ -2141,18 +1997,13 @@
               <a:rPr lang="nl-NL"/>
               <a:t>Klik om stijl te bewerken</a:t>
             </a:r>
-          </a:p>
-        </p:txBody>
-      </p:sp>
-      <p:sp>
-        <p:nvSpPr>
-          <p:cNvPr id="3" name="Tijdelijke aanduiding voor inhoud 2">
-            <a:extLst>
-              <a:ext uri="{FF2B5EF4-FFF2-40B4-BE49-F238E27FC236}">
-                <a16:creationId xmlns:a16="http://schemas.microsoft.com/office/drawing/2014/main" id="{AD10B68E-6108-3D4E-930F-7B5BDDB3D55C}"/>
-              </a:ext>
-            </a:extLst>
-          </p:cNvPr>
+            <a:endParaRPr lang="en-US" dirty="0"/>
+          </a:p>
+        </p:txBody>
+      </p:sp>
+      <p:sp>
+        <p:nvSpPr>
+          <p:cNvPr id="3" name="Content Placeholder 2"/>
           <p:cNvSpPr>
             <a:spLocks noGrp="1"/>
           </p:cNvSpPr>
@@ -2162,8 +2013,8 @@
         </p:nvSpPr>
         <p:spPr>
           <a:xfrm>
-            <a:off x="838200" y="1825625"/>
-            <a:ext cx="5181600" cy="4351338"/>
+            <a:off x="681038" y="1825625"/>
+            <a:ext cx="4210050" cy="4351338"/>
           </a:xfrm>
         </p:spPr>
         <p:txBody>
@@ -2203,18 +2054,13 @@
               <a:rPr lang="nl-NL"/>
               <a:t>Vijfde niveau</a:t>
             </a:r>
-          </a:p>
-        </p:txBody>
-      </p:sp>
-      <p:sp>
-        <p:nvSpPr>
-          <p:cNvPr id="4" name="Tijdelijke aanduiding voor inhoud 3">
-            <a:extLst>
-              <a:ext uri="{FF2B5EF4-FFF2-40B4-BE49-F238E27FC236}">
-                <a16:creationId xmlns:a16="http://schemas.microsoft.com/office/drawing/2014/main" id="{FA838E87-298A-F544-9C59-48BC83D7F0AC}"/>
-              </a:ext>
-            </a:extLst>
-          </p:cNvPr>
+            <a:endParaRPr lang="en-US" dirty="0"/>
+          </a:p>
+        </p:txBody>
+      </p:sp>
+      <p:sp>
+        <p:nvSpPr>
+          <p:cNvPr id="4" name="Content Placeholder 3"/>
           <p:cNvSpPr>
             <a:spLocks noGrp="1"/>
           </p:cNvSpPr>
@@ -2224,8 +2070,8 @@
         </p:nvSpPr>
         <p:spPr>
           <a:xfrm>
-            <a:off x="6172200" y="1825625"/>
-            <a:ext cx="5181600" cy="4351338"/>
+            <a:off x="5014913" y="1825625"/>
+            <a:ext cx="4210050" cy="4351338"/>
           </a:xfrm>
         </p:spPr>
         <p:txBody>
@@ -2265,18 +2111,13 @@
               <a:rPr lang="nl-NL"/>
               <a:t>Vijfde niveau</a:t>
             </a:r>
-          </a:p>
-        </p:txBody>
-      </p:sp>
-      <p:sp>
-        <p:nvSpPr>
-          <p:cNvPr id="5" name="Tijdelijke aanduiding voor datum 4">
-            <a:extLst>
-              <a:ext uri="{FF2B5EF4-FFF2-40B4-BE49-F238E27FC236}">
-                <a16:creationId xmlns:a16="http://schemas.microsoft.com/office/drawing/2014/main" id="{1F2DAA59-6A16-4344-8C89-AA5E2CB552AC}"/>
-              </a:ext>
-            </a:extLst>
-          </p:cNvPr>
+            <a:endParaRPr lang="en-US" dirty="0"/>
+          </a:p>
+        </p:txBody>
+      </p:sp>
+      <p:sp>
+        <p:nvSpPr>
+          <p:cNvPr id="5" name="Date Placeholder 4"/>
           <p:cNvSpPr>
             <a:spLocks noGrp="1"/>
           </p:cNvSpPr>
@@ -2299,13 +2140,7 @@
       </p:sp>
       <p:sp>
         <p:nvSpPr>
-          <p:cNvPr id="6" name="Tijdelijke aanduiding voor voettekst 5">
-            <a:extLst>
-              <a:ext uri="{FF2B5EF4-FFF2-40B4-BE49-F238E27FC236}">
-                <a16:creationId xmlns:a16="http://schemas.microsoft.com/office/drawing/2014/main" id="{0D7DC1BB-1692-0542-A6A7-621B77D974A8}"/>
-              </a:ext>
-            </a:extLst>
-          </p:cNvPr>
+          <p:cNvPr id="6" name="Footer Placeholder 5"/>
           <p:cNvSpPr>
             <a:spLocks noGrp="1"/>
           </p:cNvSpPr>
@@ -2324,13 +2159,7 @@
       </p:sp>
       <p:sp>
         <p:nvSpPr>
-          <p:cNvPr id="7" name="Tijdelijke aanduiding voor dianummer 6">
-            <a:extLst>
-              <a:ext uri="{FF2B5EF4-FFF2-40B4-BE49-F238E27FC236}">
-                <a16:creationId xmlns:a16="http://schemas.microsoft.com/office/drawing/2014/main" id="{5EFADC4A-7D43-0046-805E-9FEECC545503}"/>
-              </a:ext>
-            </a:extLst>
-          </p:cNvPr>
+          <p:cNvPr id="7" name="Slide Number Placeholder 6"/>
           <p:cNvSpPr>
             <a:spLocks noGrp="1"/>
           </p:cNvSpPr>
@@ -2354,7 +2183,7 @@
     </p:spTree>
     <p:extLst>
       <p:ext uri="{BB962C8B-B14F-4D97-AF65-F5344CB8AC3E}">
-        <p14:creationId xmlns:p14="http://schemas.microsoft.com/office/powerpoint/2010/main" val="2793091481"/>
+        <p14:creationId xmlns:p14="http://schemas.microsoft.com/office/powerpoint/2010/main" val="2312925676"/>
       </p:ext>
     </p:extLst>
   </p:cSld>
@@ -2383,13 +2212,7 @@
       </p:grpSpPr>
       <p:sp>
         <p:nvSpPr>
-          <p:cNvPr id="2" name="Titel 1">
-            <a:extLst>
-              <a:ext uri="{FF2B5EF4-FFF2-40B4-BE49-F238E27FC236}">
-                <a16:creationId xmlns:a16="http://schemas.microsoft.com/office/drawing/2014/main" id="{8136CDD0-8736-484D-B11C-B5D7A4F6A302}"/>
-              </a:ext>
-            </a:extLst>
-          </p:cNvPr>
+          <p:cNvPr id="2" name="Title 1"/>
           <p:cNvSpPr>
             <a:spLocks noGrp="1"/>
           </p:cNvSpPr>
@@ -2399,8 +2222,8 @@
         </p:nvSpPr>
         <p:spPr>
           <a:xfrm>
-            <a:off x="839788" y="365125"/>
-            <a:ext cx="10515600" cy="1325563"/>
+            <a:off x="682328" y="365127"/>
+            <a:ext cx="8543925" cy="1325563"/>
           </a:xfrm>
         </p:spPr>
         <p:txBody>
@@ -2411,18 +2234,13 @@
               <a:rPr lang="nl-NL"/>
               <a:t>Klik om stijl te bewerken</a:t>
             </a:r>
-          </a:p>
-        </p:txBody>
-      </p:sp>
-      <p:sp>
-        <p:nvSpPr>
-          <p:cNvPr id="3" name="Tijdelijke aanduiding voor tekst 2">
-            <a:extLst>
-              <a:ext uri="{FF2B5EF4-FFF2-40B4-BE49-F238E27FC236}">
-                <a16:creationId xmlns:a16="http://schemas.microsoft.com/office/drawing/2014/main" id="{C05AACCF-1232-8343-99DE-722DD29C9291}"/>
-              </a:ext>
-            </a:extLst>
-          </p:cNvPr>
+            <a:endParaRPr lang="en-US" dirty="0"/>
+          </a:p>
+        </p:txBody>
+      </p:sp>
+      <p:sp>
+        <p:nvSpPr>
+          <p:cNvPr id="3" name="Text Placeholder 2"/>
           <p:cNvSpPr>
             <a:spLocks noGrp="1"/>
           </p:cNvSpPr>
@@ -2432,8 +2250,8 @@
         </p:nvSpPr>
         <p:spPr>
           <a:xfrm>
-            <a:off x="839788" y="1681163"/>
-            <a:ext cx="5157787" cy="823912"/>
+            <a:off x="682329" y="1681163"/>
+            <a:ext cx="4190702" cy="823912"/>
           </a:xfrm>
         </p:spPr>
         <p:txBody>
@@ -2487,13 +2305,7 @@
       </p:sp>
       <p:sp>
         <p:nvSpPr>
-          <p:cNvPr id="4" name="Tijdelijke aanduiding voor inhoud 3">
-            <a:extLst>
-              <a:ext uri="{FF2B5EF4-FFF2-40B4-BE49-F238E27FC236}">
-                <a16:creationId xmlns:a16="http://schemas.microsoft.com/office/drawing/2014/main" id="{B05628A5-4AF1-624C-B76D-2688D26F1FEA}"/>
-              </a:ext>
-            </a:extLst>
-          </p:cNvPr>
+          <p:cNvPr id="4" name="Content Placeholder 3"/>
           <p:cNvSpPr>
             <a:spLocks noGrp="1"/>
           </p:cNvSpPr>
@@ -2503,8 +2315,8 @@
         </p:nvSpPr>
         <p:spPr>
           <a:xfrm>
-            <a:off x="839788" y="2505075"/>
-            <a:ext cx="5157787" cy="3684588"/>
+            <a:off x="682329" y="2505075"/>
+            <a:ext cx="4190702" cy="3684588"/>
           </a:xfrm>
         </p:spPr>
         <p:txBody>
@@ -2544,18 +2356,13 @@
               <a:rPr lang="nl-NL"/>
               <a:t>Vijfde niveau</a:t>
             </a:r>
-          </a:p>
-        </p:txBody>
-      </p:sp>
-      <p:sp>
-        <p:nvSpPr>
-          <p:cNvPr id="5" name="Tijdelijke aanduiding voor tekst 4">
-            <a:extLst>
-              <a:ext uri="{FF2B5EF4-FFF2-40B4-BE49-F238E27FC236}">
-                <a16:creationId xmlns:a16="http://schemas.microsoft.com/office/drawing/2014/main" id="{E3330584-403C-AA42-AC29-D6FE258806F9}"/>
-              </a:ext>
-            </a:extLst>
-          </p:cNvPr>
+            <a:endParaRPr lang="en-US" dirty="0"/>
+          </a:p>
+        </p:txBody>
+      </p:sp>
+      <p:sp>
+        <p:nvSpPr>
+          <p:cNvPr id="5" name="Text Placeholder 4"/>
           <p:cNvSpPr>
             <a:spLocks noGrp="1"/>
           </p:cNvSpPr>
@@ -2565,8 +2372,8 @@
         </p:nvSpPr>
         <p:spPr>
           <a:xfrm>
-            <a:off x="6172200" y="1681163"/>
-            <a:ext cx="5183188" cy="823912"/>
+            <a:off x="5014913" y="1681163"/>
+            <a:ext cx="4211340" cy="823912"/>
           </a:xfrm>
         </p:spPr>
         <p:txBody>
@@ -2620,13 +2427,7 @@
       </p:sp>
       <p:sp>
         <p:nvSpPr>
-          <p:cNvPr id="6" name="Tijdelijke aanduiding voor inhoud 5">
-            <a:extLst>
-              <a:ext uri="{FF2B5EF4-FFF2-40B4-BE49-F238E27FC236}">
-                <a16:creationId xmlns:a16="http://schemas.microsoft.com/office/drawing/2014/main" id="{AE2CD03C-8637-234C-8EB8-5B52BD77C774}"/>
-              </a:ext>
-            </a:extLst>
-          </p:cNvPr>
+          <p:cNvPr id="6" name="Content Placeholder 5"/>
           <p:cNvSpPr>
             <a:spLocks noGrp="1"/>
           </p:cNvSpPr>
@@ -2636,8 +2437,8 @@
         </p:nvSpPr>
         <p:spPr>
           <a:xfrm>
-            <a:off x="6172200" y="2505075"/>
-            <a:ext cx="5183188" cy="3684588"/>
+            <a:off x="5014913" y="2505075"/>
+            <a:ext cx="4211340" cy="3684588"/>
           </a:xfrm>
         </p:spPr>
         <p:txBody>
@@ -2677,18 +2478,13 @@
               <a:rPr lang="nl-NL"/>
               <a:t>Vijfde niveau</a:t>
             </a:r>
-          </a:p>
-        </p:txBody>
-      </p:sp>
-      <p:sp>
-        <p:nvSpPr>
-          <p:cNvPr id="7" name="Tijdelijke aanduiding voor datum 6">
-            <a:extLst>
-              <a:ext uri="{FF2B5EF4-FFF2-40B4-BE49-F238E27FC236}">
-                <a16:creationId xmlns:a16="http://schemas.microsoft.com/office/drawing/2014/main" id="{DEA3F704-8E49-2D48-958C-74B7AC3AF464}"/>
-              </a:ext>
-            </a:extLst>
-          </p:cNvPr>
+            <a:endParaRPr lang="en-US" dirty="0"/>
+          </a:p>
+        </p:txBody>
+      </p:sp>
+      <p:sp>
+        <p:nvSpPr>
+          <p:cNvPr id="7" name="Date Placeholder 6"/>
           <p:cNvSpPr>
             <a:spLocks noGrp="1"/>
           </p:cNvSpPr>
@@ -2711,13 +2507,7 @@
       </p:sp>
       <p:sp>
         <p:nvSpPr>
-          <p:cNvPr id="8" name="Tijdelijke aanduiding voor voettekst 7">
-            <a:extLst>
-              <a:ext uri="{FF2B5EF4-FFF2-40B4-BE49-F238E27FC236}">
-                <a16:creationId xmlns:a16="http://schemas.microsoft.com/office/drawing/2014/main" id="{404623F0-0130-6748-9BC8-796467645514}"/>
-              </a:ext>
-            </a:extLst>
-          </p:cNvPr>
+          <p:cNvPr id="8" name="Footer Placeholder 7"/>
           <p:cNvSpPr>
             <a:spLocks noGrp="1"/>
           </p:cNvSpPr>
@@ -2736,13 +2526,7 @@
       </p:sp>
       <p:sp>
         <p:nvSpPr>
-          <p:cNvPr id="9" name="Tijdelijke aanduiding voor dianummer 8">
-            <a:extLst>
-              <a:ext uri="{FF2B5EF4-FFF2-40B4-BE49-F238E27FC236}">
-                <a16:creationId xmlns:a16="http://schemas.microsoft.com/office/drawing/2014/main" id="{320D4FA1-E56A-244C-9DCF-DB1D6BC0EE8D}"/>
-              </a:ext>
-            </a:extLst>
-          </p:cNvPr>
+          <p:cNvPr id="9" name="Slide Number Placeholder 8"/>
           <p:cNvSpPr>
             <a:spLocks noGrp="1"/>
           </p:cNvSpPr>
@@ -2766,7 +2550,7 @@
     </p:spTree>
     <p:extLst>
       <p:ext uri="{BB962C8B-B14F-4D97-AF65-F5344CB8AC3E}">
-        <p14:creationId xmlns:p14="http://schemas.microsoft.com/office/powerpoint/2010/main" val="3375361619"/>
+        <p14:creationId xmlns:p14="http://schemas.microsoft.com/office/powerpoint/2010/main" val="1417650059"/>
       </p:ext>
     </p:extLst>
   </p:cSld>
@@ -2795,13 +2579,7 @@
       </p:grpSpPr>
       <p:sp>
         <p:nvSpPr>
-          <p:cNvPr id="2" name="Titel 1">
-            <a:extLst>
-              <a:ext uri="{FF2B5EF4-FFF2-40B4-BE49-F238E27FC236}">
-                <a16:creationId xmlns:a16="http://schemas.microsoft.com/office/drawing/2014/main" id="{4EFC151D-04CE-834A-AF8A-97F5894E2EA8}"/>
-              </a:ext>
-            </a:extLst>
-          </p:cNvPr>
+          <p:cNvPr id="2" name="Title 1"/>
           <p:cNvSpPr>
             <a:spLocks noGrp="1"/>
           </p:cNvSpPr>
@@ -2818,18 +2596,13 @@
               <a:rPr lang="nl-NL"/>
               <a:t>Klik om stijl te bewerken</a:t>
             </a:r>
-          </a:p>
-        </p:txBody>
-      </p:sp>
-      <p:sp>
-        <p:nvSpPr>
-          <p:cNvPr id="3" name="Tijdelijke aanduiding voor datum 2">
-            <a:extLst>
-              <a:ext uri="{FF2B5EF4-FFF2-40B4-BE49-F238E27FC236}">
-                <a16:creationId xmlns:a16="http://schemas.microsoft.com/office/drawing/2014/main" id="{7B0B93A3-C80B-2540-A5C1-0D5A5078628C}"/>
-              </a:ext>
-            </a:extLst>
-          </p:cNvPr>
+            <a:endParaRPr lang="en-US" dirty="0"/>
+          </a:p>
+        </p:txBody>
+      </p:sp>
+      <p:sp>
+        <p:nvSpPr>
+          <p:cNvPr id="3" name="Date Placeholder 2"/>
           <p:cNvSpPr>
             <a:spLocks noGrp="1"/>
           </p:cNvSpPr>
@@ -2852,13 +2625,7 @@
       </p:sp>
       <p:sp>
         <p:nvSpPr>
-          <p:cNvPr id="4" name="Tijdelijke aanduiding voor voettekst 3">
-            <a:extLst>
-              <a:ext uri="{FF2B5EF4-FFF2-40B4-BE49-F238E27FC236}">
-                <a16:creationId xmlns:a16="http://schemas.microsoft.com/office/drawing/2014/main" id="{F5BD08EF-CA9A-5C42-9C31-A3249ED455E5}"/>
-              </a:ext>
-            </a:extLst>
-          </p:cNvPr>
+          <p:cNvPr id="4" name="Footer Placeholder 3"/>
           <p:cNvSpPr>
             <a:spLocks noGrp="1"/>
           </p:cNvSpPr>
@@ -2877,13 +2644,7 @@
       </p:sp>
       <p:sp>
         <p:nvSpPr>
-          <p:cNvPr id="5" name="Tijdelijke aanduiding voor dianummer 4">
-            <a:extLst>
-              <a:ext uri="{FF2B5EF4-FFF2-40B4-BE49-F238E27FC236}">
-                <a16:creationId xmlns:a16="http://schemas.microsoft.com/office/drawing/2014/main" id="{3C37E114-C39A-CF4A-9E2B-9FFDCA1B605F}"/>
-              </a:ext>
-            </a:extLst>
-          </p:cNvPr>
+          <p:cNvPr id="5" name="Slide Number Placeholder 4"/>
           <p:cNvSpPr>
             <a:spLocks noGrp="1"/>
           </p:cNvSpPr>
@@ -2907,7 +2668,7 @@
     </p:spTree>
     <p:extLst>
       <p:ext uri="{BB962C8B-B14F-4D97-AF65-F5344CB8AC3E}">
-        <p14:creationId xmlns:p14="http://schemas.microsoft.com/office/powerpoint/2010/main" val="3149298543"/>
+        <p14:creationId xmlns:p14="http://schemas.microsoft.com/office/powerpoint/2010/main" val="3701850952"/>
       </p:ext>
     </p:extLst>
   </p:cSld>
@@ -2936,13 +2697,7 @@
       </p:grpSpPr>
       <p:sp>
         <p:nvSpPr>
-          <p:cNvPr id="2" name="Tijdelijke aanduiding voor datum 1">
-            <a:extLst>
-              <a:ext uri="{FF2B5EF4-FFF2-40B4-BE49-F238E27FC236}">
-                <a16:creationId xmlns:a16="http://schemas.microsoft.com/office/drawing/2014/main" id="{5A64D2FF-4119-2642-8956-86E68A40FD13}"/>
-              </a:ext>
-            </a:extLst>
-          </p:cNvPr>
+          <p:cNvPr id="2" name="Date Placeholder 1"/>
           <p:cNvSpPr>
             <a:spLocks noGrp="1"/>
           </p:cNvSpPr>
@@ -2965,13 +2720,7 @@
       </p:sp>
       <p:sp>
         <p:nvSpPr>
-          <p:cNvPr id="3" name="Tijdelijke aanduiding voor voettekst 2">
-            <a:extLst>
-              <a:ext uri="{FF2B5EF4-FFF2-40B4-BE49-F238E27FC236}">
-                <a16:creationId xmlns:a16="http://schemas.microsoft.com/office/drawing/2014/main" id="{2C55887F-D3A2-4C44-9782-CE4C14118523}"/>
-              </a:ext>
-            </a:extLst>
-          </p:cNvPr>
+          <p:cNvPr id="3" name="Footer Placeholder 2"/>
           <p:cNvSpPr>
             <a:spLocks noGrp="1"/>
           </p:cNvSpPr>
@@ -2990,13 +2739,7 @@
       </p:sp>
       <p:sp>
         <p:nvSpPr>
-          <p:cNvPr id="4" name="Tijdelijke aanduiding voor dianummer 3">
-            <a:extLst>
-              <a:ext uri="{FF2B5EF4-FFF2-40B4-BE49-F238E27FC236}">
-                <a16:creationId xmlns:a16="http://schemas.microsoft.com/office/drawing/2014/main" id="{B9B76DE8-A74B-5F46-A54D-14EDC169D245}"/>
-              </a:ext>
-            </a:extLst>
-          </p:cNvPr>
+          <p:cNvPr id="4" name="Slide Number Placeholder 3"/>
           <p:cNvSpPr>
             <a:spLocks noGrp="1"/>
           </p:cNvSpPr>
@@ -3020,7 +2763,7 @@
     </p:spTree>
     <p:extLst>
       <p:ext uri="{BB962C8B-B14F-4D97-AF65-F5344CB8AC3E}">
-        <p14:creationId xmlns:p14="http://schemas.microsoft.com/office/powerpoint/2010/main" val="4139393299"/>
+        <p14:creationId xmlns:p14="http://schemas.microsoft.com/office/powerpoint/2010/main" val="2702369123"/>
       </p:ext>
     </p:extLst>
   </p:cSld>
@@ -3049,13 +2792,7 @@
       </p:grpSpPr>
       <p:sp>
         <p:nvSpPr>
-          <p:cNvPr id="2" name="Titel 1">
-            <a:extLst>
-              <a:ext uri="{FF2B5EF4-FFF2-40B4-BE49-F238E27FC236}">
-                <a16:creationId xmlns:a16="http://schemas.microsoft.com/office/drawing/2014/main" id="{D921D99F-A8FB-6E43-8998-254230F22274}"/>
-              </a:ext>
-            </a:extLst>
-          </p:cNvPr>
+          <p:cNvPr id="2" name="Title 1"/>
           <p:cNvSpPr>
             <a:spLocks noGrp="1"/>
           </p:cNvSpPr>
@@ -3065,8 +2802,8 @@
         </p:nvSpPr>
         <p:spPr>
           <a:xfrm>
-            <a:off x="839788" y="457200"/>
-            <a:ext cx="3932237" cy="1600200"/>
+            <a:off x="682328" y="457200"/>
+            <a:ext cx="3194943" cy="1600200"/>
           </a:xfrm>
         </p:spPr>
         <p:txBody>
@@ -3081,18 +2818,13 @@
               <a:rPr lang="nl-NL"/>
               <a:t>Klik om stijl te bewerken</a:t>
             </a:r>
-          </a:p>
-        </p:txBody>
-      </p:sp>
-      <p:sp>
-        <p:nvSpPr>
-          <p:cNvPr id="3" name="Tijdelijke aanduiding voor inhoud 2">
-            <a:extLst>
-              <a:ext uri="{FF2B5EF4-FFF2-40B4-BE49-F238E27FC236}">
-                <a16:creationId xmlns:a16="http://schemas.microsoft.com/office/drawing/2014/main" id="{5AA0D660-C1B7-5F43-89EC-C80F8021F454}"/>
-              </a:ext>
-            </a:extLst>
-          </p:cNvPr>
+            <a:endParaRPr lang="en-US" dirty="0"/>
+          </a:p>
+        </p:txBody>
+      </p:sp>
+      <p:sp>
+        <p:nvSpPr>
+          <p:cNvPr id="3" name="Content Placeholder 2"/>
           <p:cNvSpPr>
             <a:spLocks noGrp="1"/>
           </p:cNvSpPr>
@@ -3102,8 +2834,8 @@
         </p:nvSpPr>
         <p:spPr>
           <a:xfrm>
-            <a:off x="5183188" y="987425"/>
-            <a:ext cx="6172200" cy="4873625"/>
+            <a:off x="4211340" y="987427"/>
+            <a:ext cx="5014913" cy="4873625"/>
           </a:xfrm>
         </p:spPr>
         <p:txBody>
@@ -3171,18 +2903,13 @@
               <a:rPr lang="nl-NL"/>
               <a:t>Vijfde niveau</a:t>
             </a:r>
-          </a:p>
-        </p:txBody>
-      </p:sp>
-      <p:sp>
-        <p:nvSpPr>
-          <p:cNvPr id="4" name="Tijdelijke aanduiding voor tekst 3">
-            <a:extLst>
-              <a:ext uri="{FF2B5EF4-FFF2-40B4-BE49-F238E27FC236}">
-                <a16:creationId xmlns:a16="http://schemas.microsoft.com/office/drawing/2014/main" id="{ED1E8FC0-7A8A-4844-81CB-8160CE3F4731}"/>
-              </a:ext>
-            </a:extLst>
-          </p:cNvPr>
+            <a:endParaRPr lang="en-US" dirty="0"/>
+          </a:p>
+        </p:txBody>
+      </p:sp>
+      <p:sp>
+        <p:nvSpPr>
+          <p:cNvPr id="4" name="Text Placeholder 3"/>
           <p:cNvSpPr>
             <a:spLocks noGrp="1"/>
           </p:cNvSpPr>
@@ -3192,8 +2919,8 @@
         </p:nvSpPr>
         <p:spPr>
           <a:xfrm>
-            <a:off x="839788" y="2057400"/>
-            <a:ext cx="3932237" cy="3811588"/>
+            <a:off x="682328" y="2057400"/>
+            <a:ext cx="3194943" cy="3811588"/>
           </a:xfrm>
         </p:spPr>
         <p:txBody>
@@ -3247,13 +2974,7 @@
       </p:sp>
       <p:sp>
         <p:nvSpPr>
-          <p:cNvPr id="5" name="Tijdelijke aanduiding voor datum 4">
-            <a:extLst>
-              <a:ext uri="{FF2B5EF4-FFF2-40B4-BE49-F238E27FC236}">
-                <a16:creationId xmlns:a16="http://schemas.microsoft.com/office/drawing/2014/main" id="{88CCE302-39D4-A74E-A7B9-2CD902AEFFAA}"/>
-              </a:ext>
-            </a:extLst>
-          </p:cNvPr>
+          <p:cNvPr id="5" name="Date Placeholder 4"/>
           <p:cNvSpPr>
             <a:spLocks noGrp="1"/>
           </p:cNvSpPr>
@@ -3276,13 +2997,7 @@
       </p:sp>
       <p:sp>
         <p:nvSpPr>
-          <p:cNvPr id="6" name="Tijdelijke aanduiding voor voettekst 5">
-            <a:extLst>
-              <a:ext uri="{FF2B5EF4-FFF2-40B4-BE49-F238E27FC236}">
-                <a16:creationId xmlns:a16="http://schemas.microsoft.com/office/drawing/2014/main" id="{42F5B9F8-8B2D-DF46-9881-EF3F37DEE816}"/>
-              </a:ext>
-            </a:extLst>
-          </p:cNvPr>
+          <p:cNvPr id="6" name="Footer Placeholder 5"/>
           <p:cNvSpPr>
             <a:spLocks noGrp="1"/>
           </p:cNvSpPr>
@@ -3301,13 +3016,7 @@
       </p:sp>
       <p:sp>
         <p:nvSpPr>
-          <p:cNvPr id="7" name="Tijdelijke aanduiding voor dianummer 6">
-            <a:extLst>
-              <a:ext uri="{FF2B5EF4-FFF2-40B4-BE49-F238E27FC236}">
-                <a16:creationId xmlns:a16="http://schemas.microsoft.com/office/drawing/2014/main" id="{69527FF2-9DC3-7F44-8648-DBACE5423D87}"/>
-              </a:ext>
-            </a:extLst>
-          </p:cNvPr>
+          <p:cNvPr id="7" name="Slide Number Placeholder 6"/>
           <p:cNvSpPr>
             <a:spLocks noGrp="1"/>
           </p:cNvSpPr>
@@ -3331,7 +3040,7 @@
     </p:spTree>
     <p:extLst>
       <p:ext uri="{BB962C8B-B14F-4D97-AF65-F5344CB8AC3E}">
-        <p14:creationId xmlns:p14="http://schemas.microsoft.com/office/powerpoint/2010/main" val="3476866167"/>
+        <p14:creationId xmlns:p14="http://schemas.microsoft.com/office/powerpoint/2010/main" val="1224114344"/>
       </p:ext>
     </p:extLst>
   </p:cSld>
@@ -3360,13 +3069,7 @@
       </p:grpSpPr>
       <p:sp>
         <p:nvSpPr>
-          <p:cNvPr id="2" name="Titel 1">
-            <a:extLst>
-              <a:ext uri="{FF2B5EF4-FFF2-40B4-BE49-F238E27FC236}">
-                <a16:creationId xmlns:a16="http://schemas.microsoft.com/office/drawing/2014/main" id="{4D28BF92-6152-514F-892F-7C3EC25E3D68}"/>
-              </a:ext>
-            </a:extLst>
-          </p:cNvPr>
+          <p:cNvPr id="2" name="Title 1"/>
           <p:cNvSpPr>
             <a:spLocks noGrp="1"/>
           </p:cNvSpPr>
@@ -3376,8 +3079,8 @@
         </p:nvSpPr>
         <p:spPr>
           <a:xfrm>
-            <a:off x="839788" y="457200"/>
-            <a:ext cx="3932237" cy="1600200"/>
+            <a:off x="682328" y="457200"/>
+            <a:ext cx="3194943" cy="1600200"/>
           </a:xfrm>
         </p:spPr>
         <p:txBody>
@@ -3392,20 +3095,15 @@
               <a:rPr lang="nl-NL"/>
               <a:t>Klik om stijl te bewerken</a:t>
             </a:r>
-          </a:p>
-        </p:txBody>
-      </p:sp>
-      <p:sp>
-        <p:nvSpPr>
-          <p:cNvPr id="3" name="Tijdelijke aanduiding voor afbeelding 2">
-            <a:extLst>
-              <a:ext uri="{FF2B5EF4-FFF2-40B4-BE49-F238E27FC236}">
-                <a16:creationId xmlns:a16="http://schemas.microsoft.com/office/drawing/2014/main" id="{D6C1D79F-13D6-8448-84B6-47F960823FF7}"/>
-              </a:ext>
-            </a:extLst>
-          </p:cNvPr>
-          <p:cNvSpPr>
-            <a:spLocks noGrp="1"/>
+            <a:endParaRPr lang="en-US" dirty="0"/>
+          </a:p>
+        </p:txBody>
+      </p:sp>
+      <p:sp>
+        <p:nvSpPr>
+          <p:cNvPr id="3" name="Picture Placeholder 2"/>
+          <p:cNvSpPr>
+            <a:spLocks noGrp="1" noChangeAspect="1"/>
           </p:cNvSpPr>
           <p:nvPr>
             <p:ph type="pic" idx="1"/>
@@ -3413,8 +3111,73 @@
         </p:nvSpPr>
         <p:spPr>
           <a:xfrm>
-            <a:off x="5183188" y="987425"/>
-            <a:ext cx="6172200" cy="4873625"/>
+            <a:off x="4211340" y="987427"/>
+            <a:ext cx="5014913" cy="4873625"/>
+          </a:xfrm>
+        </p:spPr>
+        <p:txBody>
+          <a:bodyPr anchor="t"/>
+          <a:lstStyle>
+            <a:lvl1pPr marL="0" indent="0">
+              <a:buNone/>
+              <a:defRPr sz="3200"/>
+            </a:lvl1pPr>
+            <a:lvl2pPr marL="457200" indent="0">
+              <a:buNone/>
+              <a:defRPr sz="2800"/>
+            </a:lvl2pPr>
+            <a:lvl3pPr marL="914400" indent="0">
+              <a:buNone/>
+              <a:defRPr sz="2400"/>
+            </a:lvl3pPr>
+            <a:lvl4pPr marL="1371600" indent="0">
+              <a:buNone/>
+              <a:defRPr sz="2000"/>
+            </a:lvl4pPr>
+            <a:lvl5pPr marL="1828800" indent="0">
+              <a:buNone/>
+              <a:defRPr sz="2000"/>
+            </a:lvl5pPr>
+            <a:lvl6pPr marL="2286000" indent="0">
+              <a:buNone/>
+              <a:defRPr sz="2000"/>
+            </a:lvl6pPr>
+            <a:lvl7pPr marL="2743200" indent="0">
+              <a:buNone/>
+              <a:defRPr sz="2000"/>
+            </a:lvl7pPr>
+            <a:lvl8pPr marL="3200400" indent="0">
+              <a:buNone/>
+              <a:defRPr sz="2000"/>
+            </a:lvl8pPr>
+            <a:lvl9pPr marL="3657600" indent="0">
+              <a:buNone/>
+              <a:defRPr sz="2000"/>
+            </a:lvl9pPr>
+          </a:lstStyle>
+          <a:p>
+            <a:r>
+              <a:rPr lang="nl-NL"/>
+              <a:t>Klik op het pictogram als u een afbeelding wilt toevoegen</a:t>
+            </a:r>
+            <a:endParaRPr lang="en-US" dirty="0"/>
+          </a:p>
+        </p:txBody>
+      </p:sp>
+      <p:sp>
+        <p:nvSpPr>
+          <p:cNvPr id="4" name="Text Placeholder 3"/>
+          <p:cNvSpPr>
+            <a:spLocks noGrp="1"/>
+          </p:cNvSpPr>
+          <p:nvPr>
+            <p:ph type="body" sz="half" idx="2"/>
+          </p:nvPr>
+        </p:nvSpPr>
+        <p:spPr>
+          <a:xfrm>
+            <a:off x="682328" y="2057400"/>
+            <a:ext cx="3194943" cy="3811588"/>
           </a:xfrm>
         </p:spPr>
         <p:txBody>
@@ -3422,73 +3185,6 @@
           <a:lstStyle>
             <a:lvl1pPr marL="0" indent="0">
               <a:buNone/>
-              <a:defRPr sz="3200"/>
-            </a:lvl1pPr>
-            <a:lvl2pPr marL="457200" indent="0">
-              <a:buNone/>
-              <a:defRPr sz="2800"/>
-            </a:lvl2pPr>
-            <a:lvl3pPr marL="914400" indent="0">
-              <a:buNone/>
-              <a:defRPr sz="2400"/>
-            </a:lvl3pPr>
-            <a:lvl4pPr marL="1371600" indent="0">
-              <a:buNone/>
-              <a:defRPr sz="2000"/>
-            </a:lvl4pPr>
-            <a:lvl5pPr marL="1828800" indent="0">
-              <a:buNone/>
-              <a:defRPr sz="2000"/>
-            </a:lvl5pPr>
-            <a:lvl6pPr marL="2286000" indent="0">
-              <a:buNone/>
-              <a:defRPr sz="2000"/>
-            </a:lvl6pPr>
-            <a:lvl7pPr marL="2743200" indent="0">
-              <a:buNone/>
-              <a:defRPr sz="2000"/>
-            </a:lvl7pPr>
-            <a:lvl8pPr marL="3200400" indent="0">
-              <a:buNone/>
-              <a:defRPr sz="2000"/>
-            </a:lvl8pPr>
-            <a:lvl9pPr marL="3657600" indent="0">
-              <a:buNone/>
-              <a:defRPr sz="2000"/>
-            </a:lvl9pPr>
-          </a:lstStyle>
-          <a:p>
-            <a:endParaRPr lang="nl-NL"/>
-          </a:p>
-        </p:txBody>
-      </p:sp>
-      <p:sp>
-        <p:nvSpPr>
-          <p:cNvPr id="4" name="Tijdelijke aanduiding voor tekst 3">
-            <a:extLst>
-              <a:ext uri="{FF2B5EF4-FFF2-40B4-BE49-F238E27FC236}">
-                <a16:creationId xmlns:a16="http://schemas.microsoft.com/office/drawing/2014/main" id="{623B47A8-13D4-F848-9B8B-68B87870BE58}"/>
-              </a:ext>
-            </a:extLst>
-          </p:cNvPr>
-          <p:cNvSpPr>
-            <a:spLocks noGrp="1"/>
-          </p:cNvSpPr>
-          <p:nvPr>
-            <p:ph type="body" sz="half" idx="2"/>
-          </p:nvPr>
-        </p:nvSpPr>
-        <p:spPr>
-          <a:xfrm>
-            <a:off x="839788" y="2057400"/>
-            <a:ext cx="3932237" cy="3811588"/>
-          </a:xfrm>
-        </p:spPr>
-        <p:txBody>
-          <a:bodyPr/>
-          <a:lstStyle>
-            <a:lvl1pPr marL="0" indent="0">
-              <a:buNone/>
               <a:defRPr sz="1600"/>
             </a:lvl1pPr>
             <a:lvl2pPr marL="457200" indent="0">
@@ -3535,13 +3231,7 @@
       </p:sp>
       <p:sp>
         <p:nvSpPr>
-          <p:cNvPr id="5" name="Tijdelijke aanduiding voor datum 4">
-            <a:extLst>
-              <a:ext uri="{FF2B5EF4-FFF2-40B4-BE49-F238E27FC236}">
-                <a16:creationId xmlns:a16="http://schemas.microsoft.com/office/drawing/2014/main" id="{2742E29A-01F1-C040-9B37-E5E299049F01}"/>
-              </a:ext>
-            </a:extLst>
-          </p:cNvPr>
+          <p:cNvPr id="5" name="Date Placeholder 4"/>
           <p:cNvSpPr>
             <a:spLocks noGrp="1"/>
           </p:cNvSpPr>
@@ -3564,13 +3254,7 @@
       </p:sp>
       <p:sp>
         <p:nvSpPr>
-          <p:cNvPr id="6" name="Tijdelijke aanduiding voor voettekst 5">
-            <a:extLst>
-              <a:ext uri="{FF2B5EF4-FFF2-40B4-BE49-F238E27FC236}">
-                <a16:creationId xmlns:a16="http://schemas.microsoft.com/office/drawing/2014/main" id="{718B1999-AA1D-874D-A507-330070831713}"/>
-              </a:ext>
-            </a:extLst>
-          </p:cNvPr>
+          <p:cNvPr id="6" name="Footer Placeholder 5"/>
           <p:cNvSpPr>
             <a:spLocks noGrp="1"/>
           </p:cNvSpPr>
@@ -3589,13 +3273,7 @@
       </p:sp>
       <p:sp>
         <p:nvSpPr>
-          <p:cNvPr id="7" name="Tijdelijke aanduiding voor dianummer 6">
-            <a:extLst>
-              <a:ext uri="{FF2B5EF4-FFF2-40B4-BE49-F238E27FC236}">
-                <a16:creationId xmlns:a16="http://schemas.microsoft.com/office/drawing/2014/main" id="{1DB1DA7C-2E7C-DD41-B095-304C4F20307D}"/>
-              </a:ext>
-            </a:extLst>
-          </p:cNvPr>
+          <p:cNvPr id="7" name="Slide Number Placeholder 6"/>
           <p:cNvSpPr>
             <a:spLocks noGrp="1"/>
           </p:cNvSpPr>
@@ -3619,7 +3297,7 @@
     </p:spTree>
     <p:extLst>
       <p:ext uri="{BB962C8B-B14F-4D97-AF65-F5344CB8AC3E}">
-        <p14:creationId xmlns:p14="http://schemas.microsoft.com/office/powerpoint/2010/main" val="637820110"/>
+        <p14:creationId xmlns:p14="http://schemas.microsoft.com/office/powerpoint/2010/main" val="2739960749"/>
       </p:ext>
     </p:extLst>
   </p:cSld>
@@ -3653,13 +3331,7 @@
       </p:grpSpPr>
       <p:sp>
         <p:nvSpPr>
-          <p:cNvPr id="2" name="Tijdelijke aanduiding voor titel 1">
-            <a:extLst>
-              <a:ext uri="{FF2B5EF4-FFF2-40B4-BE49-F238E27FC236}">
-                <a16:creationId xmlns:a16="http://schemas.microsoft.com/office/drawing/2014/main" id="{C4DDE768-DC80-A542-9E2D-E9D87DF09BD7}"/>
-              </a:ext>
-            </a:extLst>
-          </p:cNvPr>
+          <p:cNvPr id="2" name="Title Placeholder 1"/>
           <p:cNvSpPr>
             <a:spLocks noGrp="1"/>
           </p:cNvSpPr>
@@ -3669,8 +3341,8 @@
         </p:nvSpPr>
         <p:spPr>
           <a:xfrm>
-            <a:off x="838200" y="365125"/>
-            <a:ext cx="10515600" cy="1325563"/>
+            <a:off x="681038" y="365127"/>
+            <a:ext cx="8543925" cy="1325563"/>
           </a:xfrm>
           <a:prstGeom prst="rect">
             <a:avLst/>
@@ -3686,18 +3358,13 @@
               <a:rPr lang="nl-NL"/>
               <a:t>Klik om stijl te bewerken</a:t>
             </a:r>
-          </a:p>
-        </p:txBody>
-      </p:sp>
-      <p:sp>
-        <p:nvSpPr>
-          <p:cNvPr id="3" name="Tijdelijke aanduiding voor tekst 2">
-            <a:extLst>
-              <a:ext uri="{FF2B5EF4-FFF2-40B4-BE49-F238E27FC236}">
-                <a16:creationId xmlns:a16="http://schemas.microsoft.com/office/drawing/2014/main" id="{7BD59C0C-A429-0A4C-8692-1B6117B42D08}"/>
-              </a:ext>
-            </a:extLst>
-          </p:cNvPr>
+            <a:endParaRPr lang="en-US" dirty="0"/>
+          </a:p>
+        </p:txBody>
+      </p:sp>
+      <p:sp>
+        <p:nvSpPr>
+          <p:cNvPr id="3" name="Text Placeholder 2"/>
           <p:cNvSpPr>
             <a:spLocks noGrp="1"/>
           </p:cNvSpPr>
@@ -3707,8 +3374,8 @@
         </p:nvSpPr>
         <p:spPr>
           <a:xfrm>
-            <a:off x="838200" y="1825625"/>
-            <a:ext cx="10515600" cy="4351338"/>
+            <a:off x="681038" y="1825625"/>
+            <a:ext cx="8543925" cy="4351338"/>
           </a:xfrm>
           <a:prstGeom prst="rect">
             <a:avLst/>
@@ -3753,18 +3420,13 @@
               <a:rPr lang="nl-NL"/>
               <a:t>Vijfde niveau</a:t>
             </a:r>
-          </a:p>
-        </p:txBody>
-      </p:sp>
-      <p:sp>
-        <p:nvSpPr>
-          <p:cNvPr id="4" name="Tijdelijke aanduiding voor datum 3">
-            <a:extLst>
-              <a:ext uri="{FF2B5EF4-FFF2-40B4-BE49-F238E27FC236}">
-                <a16:creationId xmlns:a16="http://schemas.microsoft.com/office/drawing/2014/main" id="{304E8946-ACF8-CE41-8EF4-B7ECDF4ACC73}"/>
-              </a:ext>
-            </a:extLst>
-          </p:cNvPr>
+            <a:endParaRPr lang="en-US" dirty="0"/>
+          </a:p>
+        </p:txBody>
+      </p:sp>
+      <p:sp>
+        <p:nvSpPr>
+          <p:cNvPr id="4" name="Date Placeholder 3"/>
           <p:cNvSpPr>
             <a:spLocks noGrp="1"/>
           </p:cNvSpPr>
@@ -3774,8 +3436,8 @@
         </p:nvSpPr>
         <p:spPr>
           <a:xfrm>
-            <a:off x="838200" y="6356350"/>
-            <a:ext cx="2743200" cy="365125"/>
+            <a:off x="681038" y="6356352"/>
+            <a:ext cx="2228850" cy="365125"/>
           </a:xfrm>
           <a:prstGeom prst="rect">
             <a:avLst/>
@@ -3805,13 +3467,7 @@
       </p:sp>
       <p:sp>
         <p:nvSpPr>
-          <p:cNvPr id="5" name="Tijdelijke aanduiding voor voettekst 4">
-            <a:extLst>
-              <a:ext uri="{FF2B5EF4-FFF2-40B4-BE49-F238E27FC236}">
-                <a16:creationId xmlns:a16="http://schemas.microsoft.com/office/drawing/2014/main" id="{AE5458A4-CA19-C746-A1EE-69683869A76B}"/>
-              </a:ext>
-            </a:extLst>
-          </p:cNvPr>
+          <p:cNvPr id="5" name="Footer Placeholder 4"/>
           <p:cNvSpPr>
             <a:spLocks noGrp="1"/>
           </p:cNvSpPr>
@@ -3821,8 +3477,8 @@
         </p:nvSpPr>
         <p:spPr>
           <a:xfrm>
-            <a:off x="4038600" y="6356350"/>
-            <a:ext cx="4114800" cy="365125"/>
+            <a:off x="3281363" y="6356352"/>
+            <a:ext cx="3343275" cy="365125"/>
           </a:xfrm>
           <a:prstGeom prst="rect">
             <a:avLst/>
@@ -3848,13 +3504,7 @@
       </p:sp>
       <p:sp>
         <p:nvSpPr>
-          <p:cNvPr id="6" name="Tijdelijke aanduiding voor dianummer 5">
-            <a:extLst>
-              <a:ext uri="{FF2B5EF4-FFF2-40B4-BE49-F238E27FC236}">
-                <a16:creationId xmlns:a16="http://schemas.microsoft.com/office/drawing/2014/main" id="{40F37FD4-E356-2B4B-9CAD-D03212E23A77}"/>
-              </a:ext>
-            </a:extLst>
-          </p:cNvPr>
+          <p:cNvPr id="6" name="Slide Number Placeholder 5"/>
           <p:cNvSpPr>
             <a:spLocks noGrp="1"/>
           </p:cNvSpPr>
@@ -3864,8 +3514,8 @@
         </p:nvSpPr>
         <p:spPr>
           <a:xfrm>
-            <a:off x="8610600" y="6356350"/>
-            <a:ext cx="2743200" cy="365125"/>
+            <a:off x="6996113" y="6356352"/>
+            <a:ext cx="2228850" cy="365125"/>
           </a:xfrm>
           <a:prstGeom prst="rect">
             <a:avLst/>
@@ -3896,23 +3546,23 @@
     </p:spTree>
     <p:extLst>
       <p:ext uri="{BB962C8B-B14F-4D97-AF65-F5344CB8AC3E}">
-        <p14:creationId xmlns:p14="http://schemas.microsoft.com/office/powerpoint/2010/main" val="2828792582"/>
+        <p14:creationId xmlns:p14="http://schemas.microsoft.com/office/powerpoint/2010/main" val="252386969"/>
       </p:ext>
     </p:extLst>
   </p:cSld>
   <p:clrMap bg1="lt1" tx1="dk1" bg2="lt2" tx2="dk2" accent1="accent1" accent2="accent2" accent3="accent3" accent4="accent4" accent5="accent5" accent6="accent6" hlink="hlink" folHlink="folHlink"/>
   <p:sldLayoutIdLst>
-    <p:sldLayoutId id="2147483649" r:id="rId1"/>
-    <p:sldLayoutId id="2147483650" r:id="rId2"/>
-    <p:sldLayoutId id="2147483651" r:id="rId3"/>
-    <p:sldLayoutId id="2147483652" r:id="rId4"/>
-    <p:sldLayoutId id="2147483653" r:id="rId5"/>
-    <p:sldLayoutId id="2147483654" r:id="rId6"/>
-    <p:sldLayoutId id="2147483655" r:id="rId7"/>
-    <p:sldLayoutId id="2147483656" r:id="rId8"/>
-    <p:sldLayoutId id="2147483657" r:id="rId9"/>
-    <p:sldLayoutId id="2147483658" r:id="rId10"/>
-    <p:sldLayoutId id="2147483659" r:id="rId11"/>
+    <p:sldLayoutId id="2147483661" r:id="rId1"/>
+    <p:sldLayoutId id="2147483662" r:id="rId2"/>
+    <p:sldLayoutId id="2147483663" r:id="rId3"/>
+    <p:sldLayoutId id="2147483664" r:id="rId4"/>
+    <p:sldLayoutId id="2147483665" r:id="rId5"/>
+    <p:sldLayoutId id="2147483666" r:id="rId6"/>
+    <p:sldLayoutId id="2147483667" r:id="rId7"/>
+    <p:sldLayoutId id="2147483668" r:id="rId8"/>
+    <p:sldLayoutId id="2147483669" r:id="rId9"/>
+    <p:sldLayoutId id="2147483670" r:id="rId10"/>
+    <p:sldLayoutId id="2147483671" r:id="rId11"/>
   </p:sldLayoutIdLst>
   <p:txStyles>
     <p:titleStyle>
@@ -4100,7 +3750,7 @@
     </p:bodyStyle>
     <p:otherStyle>
       <a:defPPr>
-        <a:defRPr lang="nl-NL"/>
+        <a:defRPr lang="en-US"/>
       </a:defPPr>
       <a:lvl1pPr marL="0" algn="l" defTabSz="914400" rtl="0" eaLnBrk="1" latinLnBrk="0" hangingPunct="1">
         <a:defRPr sz="1800" kern="1200">
@@ -4228,7 +3878,7 @@
         </p:nvSpPr>
         <p:spPr>
           <a:xfrm>
-            <a:off x="3921407" y="895178"/>
+            <a:off x="2778407" y="1055819"/>
             <a:ext cx="1655806" cy="1569308"/>
           </a:xfrm>
           <a:prstGeom prst="ellipse">
@@ -4282,7 +3932,7 @@
         </p:nvSpPr>
         <p:spPr>
           <a:xfrm>
-            <a:off x="6758950" y="960981"/>
+            <a:off x="5615950" y="1121622"/>
             <a:ext cx="1655806" cy="1569308"/>
           </a:xfrm>
           <a:prstGeom prst="ellipse">
@@ -4336,7 +3986,7 @@
         </p:nvSpPr>
         <p:spPr>
           <a:xfrm>
-            <a:off x="9060151" y="2530289"/>
+            <a:off x="7917151" y="2690930"/>
             <a:ext cx="1655806" cy="1569308"/>
           </a:xfrm>
           <a:prstGeom prst="ellipse">
@@ -4396,7 +4046,7 @@
         </p:nvSpPr>
         <p:spPr>
           <a:xfrm>
-            <a:off x="6758950" y="4030851"/>
+            <a:off x="5615950" y="4191492"/>
             <a:ext cx="1655806" cy="1569308"/>
           </a:xfrm>
           <a:prstGeom prst="ellipse">
@@ -4456,7 +4106,7 @@
         </p:nvSpPr>
         <p:spPr>
           <a:xfrm>
-            <a:off x="3921407" y="4030851"/>
+            <a:off x="2778407" y="4191492"/>
             <a:ext cx="1655806" cy="1569308"/>
           </a:xfrm>
           <a:prstGeom prst="ellipse">
@@ -4503,7 +4153,7 @@
         </p:nvSpPr>
         <p:spPr>
           <a:xfrm>
-            <a:off x="1620206" y="2461543"/>
+            <a:off x="477206" y="2622184"/>
             <a:ext cx="1655806" cy="1569308"/>
           </a:xfrm>
           <a:prstGeom prst="ellipse">
@@ -4552,7 +4202,7 @@
         </p:nvCxnSpPr>
         <p:spPr>
           <a:xfrm>
-            <a:off x="5754914" y="1727200"/>
+            <a:off x="4611915" y="1887841"/>
             <a:ext cx="878115" cy="0"/>
           </a:xfrm>
           <a:prstGeom prst="straightConnector1">
@@ -4603,7 +4253,7 @@
         </p:nvCxnSpPr>
         <p:spPr>
           <a:xfrm>
-            <a:off x="8414756" y="2174886"/>
+            <a:off x="7271757" y="2335527"/>
             <a:ext cx="645395" cy="573314"/>
           </a:xfrm>
           <a:prstGeom prst="straightConnector1">
@@ -4654,7 +4304,7 @@
         </p:nvCxnSpPr>
         <p:spPr>
           <a:xfrm flipH="1">
-            <a:off x="8450796" y="3827748"/>
+            <a:off x="7307797" y="3988389"/>
             <a:ext cx="609355" cy="512026"/>
           </a:xfrm>
           <a:prstGeom prst="straightConnector1">
@@ -4705,7 +4355,7 @@
         </p:nvCxnSpPr>
         <p:spPr>
           <a:xfrm rot="10800000">
-            <a:off x="5736674" y="4822762"/>
+            <a:off x="4593675" y="4983403"/>
             <a:ext cx="878115" cy="0"/>
           </a:xfrm>
           <a:prstGeom prst="straightConnector1">
@@ -4756,7 +4406,7 @@
         </p:nvCxnSpPr>
         <p:spPr>
           <a:xfrm rot="10800000">
-            <a:off x="3257992" y="3744194"/>
+            <a:off x="2114993" y="3904835"/>
             <a:ext cx="645395" cy="573314"/>
           </a:xfrm>
           <a:prstGeom prst="straightConnector1">
@@ -4807,7 +4457,7 @@
         </p:nvCxnSpPr>
         <p:spPr>
           <a:xfrm rot="10800000" flipH="1">
-            <a:off x="3257525" y="2205530"/>
+            <a:off x="2114526" y="2366171"/>
             <a:ext cx="609355" cy="512026"/>
           </a:xfrm>
           <a:prstGeom prst="straightConnector1">
@@ -4842,6 +4492,170 @@
           </a:fontRef>
         </p:style>
       </p:cxnSp>
+      <p:sp>
+        <p:nvSpPr>
+          <p:cNvPr id="2" name="Tekstvak 1">
+            <a:extLst>
+              <a:ext uri="{FF2B5EF4-FFF2-40B4-BE49-F238E27FC236}">
+                <a16:creationId xmlns:a16="http://schemas.microsoft.com/office/drawing/2014/main" id="{C36B91C3-5BBB-E745-9FF2-5622DABB4424}"/>
+              </a:ext>
+            </a:extLst>
+          </p:cNvPr>
+          <p:cNvSpPr txBox="1"/>
+          <p:nvPr/>
+        </p:nvSpPr>
+        <p:spPr>
+          <a:xfrm>
+            <a:off x="64577" y="6388443"/>
+            <a:ext cx="4968155" cy="369332"/>
+          </a:xfrm>
+          <a:prstGeom prst="rect">
+            <a:avLst/>
+          </a:prstGeom>
+          <a:noFill/>
+        </p:spPr>
+        <p:txBody>
+          <a:bodyPr wrap="none" rtlCol="0">
+            <a:spAutoFit/>
+          </a:bodyPr>
+          <a:lstStyle/>
+          <a:p>
+            <a:r>
+              <a:rPr lang="nl-NL" dirty="0" err="1"/>
+              <a:t>https</a:t>
+            </a:r>
+            <a:r>
+              <a:rPr lang="nl-NL" dirty="0"/>
+              <a:t>://</a:t>
+            </a:r>
+            <a:r>
+              <a:rPr lang="nl-NL" dirty="0" err="1"/>
+              <a:t>github.com</a:t>
+            </a:r>
+            <a:r>
+              <a:rPr lang="nl-NL" dirty="0"/>
+              <a:t>/</a:t>
+            </a:r>
+            <a:r>
+              <a:rPr lang="nl-NL" dirty="0" err="1"/>
+              <a:t>architolk</a:t>
+            </a:r>
+            <a:r>
+              <a:rPr lang="nl-NL" dirty="0"/>
+              <a:t>/Leren-programmeren</a:t>
+            </a:r>
+          </a:p>
+        </p:txBody>
+      </p:sp>
+      <p:sp>
+        <p:nvSpPr>
+          <p:cNvPr id="15" name="Tekstvak 14">
+            <a:extLst>
+              <a:ext uri="{FF2B5EF4-FFF2-40B4-BE49-F238E27FC236}">
+                <a16:creationId xmlns:a16="http://schemas.microsoft.com/office/drawing/2014/main" id="{E73B8069-B143-5745-B462-5B2779DAD8FE}"/>
+              </a:ext>
+            </a:extLst>
+          </p:cNvPr>
+          <p:cNvSpPr txBox="1"/>
+          <p:nvPr/>
+        </p:nvSpPr>
+        <p:spPr>
+          <a:xfrm>
+            <a:off x="54145" y="-8187"/>
+            <a:ext cx="7253652" cy="646331"/>
+          </a:xfrm>
+          <a:prstGeom prst="rect">
+            <a:avLst/>
+          </a:prstGeom>
+          <a:noFill/>
+        </p:spPr>
+        <p:txBody>
+          <a:bodyPr wrap="none" rtlCol="0">
+            <a:spAutoFit/>
+          </a:bodyPr>
+          <a:lstStyle/>
+          <a:p>
+            <a:r>
+              <a:rPr lang="nl-NL" sz="3600" b="1" dirty="0">
+                <a:ln w="9525">
+                  <a:solidFill>
+                    <a:schemeClr val="bg1"/>
+                  </a:solidFill>
+                  <a:prstDash val="solid"/>
+                </a:ln>
+                <a:solidFill>
+                  <a:schemeClr val="accent5"/>
+                </a:solidFill>
+                <a:effectLst>
+                  <a:outerShdw blurRad="12700" dist="38100" dir="2700000" algn="tl" rotWithShape="0">
+                    <a:schemeClr val="accent5">
+                      <a:lumMod val="60000"/>
+                      <a:lumOff val="40000"/>
+                    </a:schemeClr>
+                  </a:outerShdw>
+                </a:effectLst>
+              </a:rPr>
+              <a:t>Design Thinking</a:t>
+            </a:r>
+            <a:r>
+              <a:rPr lang="nl-NL" sz="3600" b="1" dirty="0">
+                <a:ln w="6600">
+                  <a:solidFill>
+                    <a:schemeClr val="accent2"/>
+                  </a:solidFill>
+                  <a:prstDash val="solid"/>
+                </a:ln>
+                <a:solidFill>
+                  <a:srgbClr val="FFFFFF"/>
+                </a:solidFill>
+                <a:effectLst>
+                  <a:outerShdw dist="38100" dir="2700000" algn="tl" rotWithShape="0">
+                    <a:schemeClr val="accent2"/>
+                  </a:outerShdw>
+                </a:effectLst>
+              </a:rPr>
+              <a:t> </a:t>
+            </a:r>
+            <a:r>
+              <a:rPr lang="nl-NL" sz="3600" b="1" dirty="0">
+                <a:ln w="9525">
+                  <a:solidFill>
+                    <a:schemeClr val="bg1"/>
+                  </a:solidFill>
+                  <a:prstDash val="solid"/>
+                </a:ln>
+                <a:effectLst>
+                  <a:outerShdw blurRad="12700" dist="38100" dir="2700000" algn="tl" rotWithShape="0">
+                    <a:schemeClr val="bg1">
+                      <a:lumMod val="50000"/>
+                    </a:schemeClr>
+                  </a:outerShdw>
+                </a:effectLst>
+              </a:rPr>
+              <a:t>|</a:t>
+            </a:r>
+            <a:r>
+              <a:rPr lang="nl-NL" sz="3600" b="1" dirty="0">
+                <a:ln w="6600">
+                  <a:solidFill>
+                    <a:schemeClr val="accent2"/>
+                  </a:solidFill>
+                  <a:prstDash val="solid"/>
+                </a:ln>
+                <a:solidFill>
+                  <a:srgbClr val="FFFFFF"/>
+                </a:solidFill>
+                <a:effectLst>
+                  <a:outerShdw dist="38100" dir="2700000" algn="tl" rotWithShape="0">
+                    <a:schemeClr val="accent2"/>
+                  </a:outerShdw>
+                </a:effectLst>
+              </a:rPr>
+              <a:t> Ontwerpend Leren</a:t>
+            </a:r>
+          </a:p>
+        </p:txBody>
+      </p:sp>
     </p:spTree>
     <p:extLst>
       <p:ext uri="{BB962C8B-B14F-4D97-AF65-F5344CB8AC3E}">
@@ -4887,13 +4701,13 @@
           <p:nvPr>
             <p:extLst>
               <p:ext uri="{D42A27DB-BD31-4B8C-83A1-F6EECF244321}">
-                <p14:modId xmlns:p14="http://schemas.microsoft.com/office/powerpoint/2010/main" val="2499818578"/>
+                <p14:modId xmlns:p14="http://schemas.microsoft.com/office/powerpoint/2010/main" val="197216637"/>
               </p:ext>
             </p:extLst>
           </p:nvPr>
         </p:nvGraphicFramePr>
         <p:xfrm>
-          <a:off x="1549400" y="247650"/>
+          <a:off x="-582140" y="247650"/>
           <a:ext cx="9093200" cy="6362700"/>
         </p:xfrm>
         <a:graphic>
@@ -4916,7 +4730,7 @@
         </p:nvSpPr>
         <p:spPr>
           <a:xfrm>
-            <a:off x="9742715" y="856343"/>
+            <a:off x="7611176" y="856344"/>
             <a:ext cx="1074057" cy="5152571"/>
           </a:xfrm>
           <a:prstGeom prst="rect">
@@ -4963,7 +4777,7 @@
         </p:nvSpPr>
         <p:spPr>
           <a:xfrm>
-            <a:off x="9742715" y="182665"/>
+            <a:off x="7611176" y="182665"/>
             <a:ext cx="1064715" cy="369332"/>
           </a:xfrm>
           <a:prstGeom prst="rect">
@@ -4998,7 +4812,7 @@
         </p:nvSpPr>
         <p:spPr>
           <a:xfrm>
-            <a:off x="5355772" y="182665"/>
+            <a:off x="3224233" y="182665"/>
             <a:ext cx="1251753" cy="369332"/>
           </a:xfrm>
           <a:prstGeom prst="rect">
@@ -5033,7 +4847,7 @@
         </p:nvSpPr>
         <p:spPr>
           <a:xfrm>
-            <a:off x="5708714" y="6255532"/>
+            <a:off x="3577175" y="6255532"/>
             <a:ext cx="774571" cy="369332"/>
           </a:xfrm>
           <a:prstGeom prst="rect">
@@ -5068,7 +4882,7 @@
         </p:nvSpPr>
         <p:spPr>
           <a:xfrm>
-            <a:off x="9642976" y="6174859"/>
+            <a:off x="7511436" y="6174859"/>
             <a:ext cx="1264192" cy="369332"/>
           </a:xfrm>
           <a:prstGeom prst="rect">
@@ -5105,7 +4919,7 @@
 <file path=ppt/theme/theme1.xml><?xml version="1.0" encoding="utf-8"?>
 <a:theme xmlns:a="http://schemas.openxmlformats.org/drawingml/2006/main" name="Kantoorthema">
   <a:themeElements>
-    <a:clrScheme name="Office">
+    <a:clrScheme name="Kantoorthema">
       <a:dk1>
         <a:sysClr val="windowText" lastClr="000000"/>
       </a:dk1>
@@ -5143,7 +4957,7 @@
         <a:srgbClr val="954F72"/>
       </a:folHlink>
     </a:clrScheme>
-    <a:fontScheme name="Office">
+    <a:fontScheme name="Kantoorthema">
       <a:majorFont>
         <a:latin typeface="Calibri Light" panose="020F0302020204030204"/>
         <a:ea typeface=""/>
@@ -5178,23 +4992,6 @@
         <a:font script="Viet" typeface="Times New Roman"/>
         <a:font script="Uigh" typeface="Microsoft Uighur"/>
         <a:font script="Geor" typeface="Sylfaen"/>
-        <a:font script="Armn" typeface="Arial"/>
-        <a:font script="Bugi" typeface="Leelawadee UI"/>
-        <a:font script="Bopo" typeface="Microsoft JhengHei"/>
-        <a:font script="Java" typeface="Javanese Text"/>
-        <a:font script="Lisu" typeface="Segoe UI"/>
-        <a:font script="Mymr" typeface="Myanmar Text"/>
-        <a:font script="Nkoo" typeface="Ebrima"/>
-        <a:font script="Olck" typeface="Nirmala UI"/>
-        <a:font script="Osma" typeface="Ebrima"/>
-        <a:font script="Phag" typeface="Phagspa"/>
-        <a:font script="Syrn" typeface="Estrangelo Edessa"/>
-        <a:font script="Syrj" typeface="Estrangelo Edessa"/>
-        <a:font script="Syre" typeface="Estrangelo Edessa"/>
-        <a:font script="Sora" typeface="Nirmala UI"/>
-        <a:font script="Tale" typeface="Microsoft Tai Le"/>
-        <a:font script="Talu" typeface="Microsoft New Tai Lue"/>
-        <a:font script="Tfng" typeface="Ebrima"/>
       </a:majorFont>
       <a:minorFont>
         <a:latin typeface="Calibri" panose="020F0502020204030204"/>
@@ -5230,26 +5027,9 @@
         <a:font script="Viet" typeface="Arial"/>
         <a:font script="Uigh" typeface="Microsoft Uighur"/>
         <a:font script="Geor" typeface="Sylfaen"/>
-        <a:font script="Armn" typeface="Arial"/>
-        <a:font script="Bugi" typeface="Leelawadee UI"/>
-        <a:font script="Bopo" typeface="Microsoft JhengHei"/>
-        <a:font script="Java" typeface="Javanese Text"/>
-        <a:font script="Lisu" typeface="Segoe UI"/>
-        <a:font script="Mymr" typeface="Myanmar Text"/>
-        <a:font script="Nkoo" typeface="Ebrima"/>
-        <a:font script="Olck" typeface="Nirmala UI"/>
-        <a:font script="Osma" typeface="Ebrima"/>
-        <a:font script="Phag" typeface="Phagspa"/>
-        <a:font script="Syrn" typeface="Estrangelo Edessa"/>
-        <a:font script="Syrj" typeface="Estrangelo Edessa"/>
-        <a:font script="Syre" typeface="Estrangelo Edessa"/>
-        <a:font script="Sora" typeface="Nirmala UI"/>
-        <a:font script="Tale" typeface="Microsoft Tai Le"/>
-        <a:font script="Talu" typeface="Microsoft New Tai Lue"/>
-        <a:font script="Tfng" typeface="Ebrima"/>
       </a:minorFont>
     </a:fontScheme>
-    <a:fmtScheme name="Office">
+    <a:fmtScheme name="Kantoorthema">
       <a:fillStyleLst>
         <a:solidFill>
           <a:schemeClr val="phClr"/>
